--- a/Presentation.pptx
+++ b/Presentation.pptx
@@ -5,10 +5,10 @@
     <p:sldMasterId id="2147483686" r:id="rId1"/>
   </p:sldMasterIdLst>
   <p:notesMasterIdLst>
-    <p:notesMasterId r:id="rId22"/>
+    <p:notesMasterId r:id="rId23"/>
   </p:notesMasterIdLst>
   <p:handoutMasterIdLst>
-    <p:handoutMasterId r:id="rId23"/>
+    <p:handoutMasterId r:id="rId24"/>
   </p:handoutMasterIdLst>
   <p:sldIdLst>
     <p:sldId id="256" r:id="rId2"/>
@@ -16,8 +16,8 @@
     <p:sldId id="265" r:id="rId4"/>
     <p:sldId id="257" r:id="rId5"/>
     <p:sldId id="258" r:id="rId6"/>
-    <p:sldId id="259" r:id="rId7"/>
-    <p:sldId id="275" r:id="rId8"/>
+    <p:sldId id="275" r:id="rId7"/>
+    <p:sldId id="259" r:id="rId8"/>
     <p:sldId id="260" r:id="rId9"/>
     <p:sldId id="269" r:id="rId10"/>
     <p:sldId id="261" r:id="rId11"/>
@@ -31,6 +31,7 @@
     <p:sldId id="272" r:id="rId19"/>
     <p:sldId id="273" r:id="rId20"/>
     <p:sldId id="276" r:id="rId21"/>
+    <p:sldId id="277" r:id="rId22"/>
   </p:sldIdLst>
   <p:sldSz cx="12192000" cy="6858000"/>
   <p:notesSz cx="9144000" cy="6858000"/>
@@ -147,8 +148,8 @@
           <p14:sldIdLst>
             <p14:sldId id="257"/>
             <p14:sldId id="258"/>
+            <p14:sldId id="275"/>
             <p14:sldId id="259"/>
-            <p14:sldId id="275"/>
           </p14:sldIdLst>
         </p14:section>
         <p14:section name="Solution D" id="{0587620C-C55B-6746-916E-C779DB6A23B6}">
@@ -172,6 +173,11 @@
             <p14:sldId id="276"/>
           </p14:sldIdLst>
         </p14:section>
+        <p14:section name="Analysis" id="{ACA70453-AB4A-E549-A7D0-9972BF6BCD61}">
+          <p14:sldIdLst>
+            <p14:sldId id="277"/>
+          </p14:sldIdLst>
+        </p14:section>
       </p14:sectionLst>
     </p:ext>
     <p:ext uri="{EFAFB233-063F-42B5-8137-9DF3F51BA10A}">
@@ -187,6 +193,9 @@
           </p15:clr>
         </p15:guide>
       </p15:sldGuideLst>
+    </p:ext>
+    <p:ext uri="{2D200454-40CA-4A62-9FC3-DE9A4176ACB9}">
+      <p15:notesGuideLst xmlns:p15="http://schemas.microsoft.com/office/powerpoint/2012/main"/>
     </p:ext>
   </p:extLst>
 </p:presentation>
@@ -278,7 +287,7 @@
           <a:p>
             <a:fld id="{C0CE7F51-1D12-4A4A-9D94-14A0FB2A373D}" type="datetimeFigureOut">
               <a:rPr lang="x-none" smtClean="0"/>
-              <a:t>12/3/17</a:t>
+              <a:t>12/5/17</a:t>
             </a:fld>
             <a:endParaRPr/>
           </a:p>
@@ -439,7 +448,7 @@
           <a:p>
             <a:fld id="{5A7DF958-0492-474E-A2F1-C30B5A3708F4}" type="datetimeFigureOut">
               <a:rPr lang="x-none" altLang="zh-CN" smtClean="0"/>
-              <a:t>12/3/17</a:t>
+              <a:t>12/5/17</a:t>
             </a:fld>
             <a:endParaRPr/>
           </a:p>
@@ -1597,7 +1606,7 @@
           <a:p>
             <a:fld id="{48A87A34-81AB-432B-8DAE-1953F412C126}" type="datetimeFigureOut">
               <a:rPr lang="en-US" smtClean="0"/>
-              <a:t>12/3/17</a:t>
+              <a:t>12/5/17</a:t>
             </a:fld>
             <a:endParaRPr lang="en-US" dirty="0"/>
           </a:p>
@@ -1842,7 +1851,7 @@
           <a:p>
             <a:fld id="{48A87A34-81AB-432B-8DAE-1953F412C126}" type="datetimeFigureOut">
               <a:rPr lang="en-US" smtClean="0"/>
-              <a:t>12/3/17</a:t>
+              <a:t>12/5/17</a:t>
             </a:fld>
             <a:endParaRPr lang="en-US" dirty="0"/>
           </a:p>
@@ -2150,7 +2159,7 @@
           <a:p>
             <a:fld id="{48A87A34-81AB-432B-8DAE-1953F412C126}" type="datetimeFigureOut">
               <a:rPr lang="en-US" smtClean="0"/>
-              <a:t>12/3/17</a:t>
+              <a:t>12/5/17</a:t>
             </a:fld>
             <a:endParaRPr lang="en-US" dirty="0"/>
           </a:p>
@@ -2471,7 +2480,7 @@
           <a:p>
             <a:fld id="{48A87A34-81AB-432B-8DAE-1953F412C126}" type="datetimeFigureOut">
               <a:rPr lang="en-US" smtClean="0"/>
-              <a:t>12/3/17</a:t>
+              <a:t>12/5/17</a:t>
             </a:fld>
             <a:endParaRPr lang="en-US" dirty="0"/>
           </a:p>
@@ -2780,7 +2789,7 @@
             <a:fld id="{48A87A34-81AB-432B-8DAE-1953F412C126}" type="datetimeFigureOut">
               <a:rPr lang="en-US" smtClean="0"/>
               <a:pPr/>
-              <a:t>12/3/17</a:t>
+              <a:t>12/5/17</a:t>
             </a:fld>
             <a:endParaRPr lang="en-US" dirty="0"/>
           </a:p>
@@ -3163,7 +3172,7 @@
             <a:fld id="{48A87A34-81AB-432B-8DAE-1953F412C126}" type="datetimeFigureOut">
               <a:rPr lang="en-US" smtClean="0"/>
               <a:pPr/>
-              <a:t>12/3/17</a:t>
+              <a:t>12/5/17</a:t>
             </a:fld>
             <a:endParaRPr lang="en-US" dirty="0"/>
           </a:p>
@@ -3327,7 +3336,7 @@
           <a:p>
             <a:fld id="{48A87A34-81AB-432B-8DAE-1953F412C126}" type="datetimeFigureOut">
               <a:rPr lang="en-US" smtClean="0"/>
-              <a:t>12/3/17</a:t>
+              <a:t>12/5/17</a:t>
             </a:fld>
             <a:endParaRPr lang="en-US" dirty="0"/>
           </a:p>
@@ -3500,7 +3509,7 @@
           <a:p>
             <a:fld id="{48A87A34-81AB-432B-8DAE-1953F412C126}" type="datetimeFigureOut">
               <a:rPr lang="en-US" smtClean="0"/>
-              <a:t>12/3/17</a:t>
+              <a:t>12/5/17</a:t>
             </a:fld>
             <a:endParaRPr lang="en-US" dirty="0"/>
           </a:p>
@@ -3669,7 +3678,7 @@
           <a:p>
             <a:fld id="{48A87A34-81AB-432B-8DAE-1953F412C126}" type="datetimeFigureOut">
               <a:rPr lang="en-US" smtClean="0"/>
-              <a:t>12/3/17</a:t>
+              <a:t>12/5/17</a:t>
             </a:fld>
             <a:endParaRPr lang="en-US" dirty="0"/>
           </a:p>
@@ -3910,7 +3919,7 @@
           <a:p>
             <a:fld id="{48A87A34-81AB-432B-8DAE-1953F412C126}" type="datetimeFigureOut">
               <a:rPr lang="en-US" smtClean="0"/>
-              <a:t>12/3/17</a:t>
+              <a:t>12/5/17</a:t>
             </a:fld>
             <a:endParaRPr lang="en-US" dirty="0"/>
           </a:p>
@@ -4134,7 +4143,7 @@
           <a:p>
             <a:fld id="{48A87A34-81AB-432B-8DAE-1953F412C126}" type="datetimeFigureOut">
               <a:rPr lang="en-US" smtClean="0"/>
-              <a:t>12/3/17</a:t>
+              <a:t>12/5/17</a:t>
             </a:fld>
             <a:endParaRPr lang="en-US" dirty="0"/>
           </a:p>
@@ -4500,7 +4509,7 @@
           <a:p>
             <a:fld id="{48A87A34-81AB-432B-8DAE-1953F412C126}" type="datetimeFigureOut">
               <a:rPr lang="en-US" smtClean="0"/>
-              <a:t>12/3/17</a:t>
+              <a:t>12/5/17</a:t>
             </a:fld>
             <a:endParaRPr lang="en-US" dirty="0"/>
           </a:p>
@@ -4617,7 +4626,7 @@
           <a:p>
             <a:fld id="{48A87A34-81AB-432B-8DAE-1953F412C126}" type="datetimeFigureOut">
               <a:rPr lang="en-US" smtClean="0"/>
-              <a:t>12/3/17</a:t>
+              <a:t>12/5/17</a:t>
             </a:fld>
             <a:endParaRPr lang="en-US" dirty="0"/>
           </a:p>
@@ -4707,7 +4716,7 @@
           <a:p>
             <a:fld id="{48A87A34-81AB-432B-8DAE-1953F412C126}" type="datetimeFigureOut">
               <a:rPr lang="en-US" smtClean="0"/>
-              <a:t>12/3/17</a:t>
+              <a:t>12/5/17</a:t>
             </a:fld>
             <a:endParaRPr lang="en-US" dirty="0"/>
           </a:p>
@@ -4955,7 +4964,7 @@
           <a:p>
             <a:fld id="{48A87A34-81AB-432B-8DAE-1953F412C126}" type="datetimeFigureOut">
               <a:rPr lang="en-US" smtClean="0"/>
-              <a:t>12/3/17</a:t>
+              <a:t>12/5/17</a:t>
             </a:fld>
             <a:endParaRPr lang="en-US" dirty="0"/>
           </a:p>
@@ -5208,7 +5217,7 @@
           <a:p>
             <a:fld id="{48A87A34-81AB-432B-8DAE-1953F412C126}" type="datetimeFigureOut">
               <a:rPr lang="en-US" smtClean="0"/>
-              <a:t>12/3/17</a:t>
+              <a:t>12/5/17</a:t>
             </a:fld>
             <a:endParaRPr lang="en-US" dirty="0"/>
           </a:p>
@@ -5947,7 +5956,7 @@
             <a:fld id="{48A87A34-81AB-432B-8DAE-1953F412C126}" type="datetimeFigureOut">
               <a:rPr lang="en-US" smtClean="0"/>
               <a:pPr/>
-              <a:t>12/3/17</a:t>
+              <a:t>12/5/17</a:t>
             </a:fld>
             <a:endParaRPr lang="en-US" dirty="0"/>
           </a:p>
@@ -38879,6 +38888,1401 @@
 </p:sld>
 </file>
 
+<file path=ppt/slides/slide21.xml><?xml version="1.0" encoding="utf-8"?>
+<p:sld xmlns:a="http://schemas.openxmlformats.org/drawingml/2006/main" xmlns:r="http://schemas.openxmlformats.org/officeDocument/2006/relationships" xmlns:p="http://schemas.openxmlformats.org/presentationml/2006/main">
+  <p:cSld>
+    <p:spTree>
+      <p:nvGrpSpPr>
+        <p:cNvPr id="1" name=""/>
+        <p:cNvGrpSpPr/>
+        <p:nvPr/>
+      </p:nvGrpSpPr>
+      <p:grpSpPr>
+        <a:xfrm>
+          <a:off x="0" y="0"/>
+          <a:ext cx="0" cy="0"/>
+          <a:chOff x="0" y="0"/>
+          <a:chExt cx="0" cy="0"/>
+        </a:xfrm>
+      </p:grpSpPr>
+      <p:sp>
+        <p:nvSpPr>
+          <p:cNvPr id="2" name="Title 1"/>
+          <p:cNvSpPr>
+            <a:spLocks noGrp="1"/>
+          </p:cNvSpPr>
+          <p:nvPr>
+            <p:ph type="title"/>
+          </p:nvPr>
+        </p:nvSpPr>
+        <p:spPr/>
+        <p:txBody>
+          <a:bodyPr/>
+          <a:lstStyle/>
+          <a:p>
+            <a:r>
+              <a:rPr lang="en-US" dirty="0" smtClean="0"/>
+              <a:t>Analysis &amp;</a:t>
+            </a:r>
+            <a:br>
+              <a:rPr lang="en-US" dirty="0" smtClean="0"/>
+            </a:br>
+            <a:r>
+              <a:rPr lang="en-US" dirty="0" smtClean="0"/>
+              <a:t>Possible </a:t>
+            </a:r>
+            <a:r>
+              <a:rPr lang="en-US" dirty="0"/>
+              <a:t>further improvements</a:t>
+            </a:r>
+            <a:endParaRPr dirty="0"/>
+          </a:p>
+        </p:txBody>
+      </p:sp>
+      <p:sp>
+        <p:nvSpPr>
+          <p:cNvPr id="5" name="Content Placeholder 4"/>
+          <p:cNvSpPr>
+            <a:spLocks noGrp="1"/>
+          </p:cNvSpPr>
+          <p:nvPr>
+            <p:ph idx="1"/>
+          </p:nvPr>
+        </p:nvSpPr>
+        <p:spPr>
+          <a:xfrm>
+            <a:off x="677332" y="3495553"/>
+            <a:ext cx="10584833" cy="2568957"/>
+          </a:xfrm>
+        </p:spPr>
+        <p:txBody>
+          <a:bodyPr/>
+          <a:lstStyle/>
+          <a:p>
+            <a:r>
+              <a:rPr lang="en-US" dirty="0" smtClean="0"/>
+              <a:t>Use another bit to represent the child is a leaf node and remove the size 0 entry from the array</a:t>
+            </a:r>
+          </a:p>
+          <a:p>
+            <a:r>
+              <a:rPr lang="en-US" dirty="0" smtClean="0"/>
+              <a:t>Use another bit to represent there is no valid word in certain subtree</a:t>
+            </a:r>
+          </a:p>
+          <a:p>
+            <a:r>
+              <a:rPr lang="en-US" dirty="0" smtClean="0"/>
+              <a:t>Use </a:t>
+            </a:r>
+            <a:r>
+              <a:rPr lang="en-US" dirty="0" smtClean="0">
+                <a:latin typeface="Consolas" charset="0"/>
+                <a:ea typeface="Consolas" charset="0"/>
+                <a:cs typeface="Consolas" charset="0"/>
+              </a:rPr>
+              <a:t>long</a:t>
+            </a:r>
+            <a:r>
+              <a:rPr lang="en-US" dirty="0" smtClean="0"/>
+              <a:t> to store more byte fields and compress the tree</a:t>
+            </a:r>
+          </a:p>
+          <a:p>
+            <a:r>
+              <a:rPr lang="en-US" dirty="0" smtClean="0"/>
+              <a:t>Reduce the </a:t>
+            </a:r>
+            <a:r>
+              <a:rPr lang="en-US" dirty="0" smtClean="0">
+                <a:latin typeface="Consolas" charset="0"/>
+                <a:ea typeface="Consolas" charset="0"/>
+                <a:cs typeface="Consolas" charset="0"/>
+              </a:rPr>
+              <a:t>byte</a:t>
+            </a:r>
+            <a:r>
+              <a:rPr lang="en-US" dirty="0" smtClean="0"/>
+              <a:t> to 5 bits for the current character set</a:t>
+            </a:r>
+            <a:endParaRPr dirty="0"/>
+          </a:p>
+        </p:txBody>
+      </p:sp>
+      <mc:AlternateContent xmlns:mc="http://schemas.openxmlformats.org/markup-compatibility/2006">
+        <mc:Choice xmlns:a14="http://schemas.microsoft.com/office/drawing/2010/main" Requires="a14">
+          <p:graphicFrame>
+            <p:nvGraphicFramePr>
+              <p:cNvPr id="6" name="Content Placeholder 3"/>
+              <p:cNvGraphicFramePr>
+                <a:graphicFrameLocks/>
+              </p:cNvGraphicFramePr>
+              <p:nvPr>
+                <p:extLst>
+                  <p:ext uri="{D42A27DB-BD31-4B8C-83A1-F6EECF244321}">
+                    <p14:modId xmlns:p14="http://schemas.microsoft.com/office/powerpoint/2010/main" val="2053969091"/>
+                  </p:ext>
+                </p:extLst>
+              </p:nvPr>
+            </p:nvGraphicFramePr>
+            <p:xfrm>
+              <a:off x="677332" y="2192121"/>
+              <a:ext cx="10052400" cy="1041711"/>
+            </p:xfrm>
+            <a:graphic>
+              <a:graphicData uri="http://schemas.openxmlformats.org/drawingml/2006/table">
+                <a:tbl>
+                  <a:tblPr>
+                    <a:tableStyleId>{5C22544A-7EE6-4342-B048-85BDC9FD1C3A}</a:tableStyleId>
+                  </a:tblPr>
+                  <a:tblGrid>
+                    <a:gridCol w="1797064"/>
+                    <a:gridCol w="802449"/>
+                    <a:gridCol w="1692839"/>
+                    <a:gridCol w="1560930"/>
+                    <a:gridCol w="1231156"/>
+                    <a:gridCol w="2967962"/>
+                  </a:tblGrid>
+                  <a:tr h="347237">
+                    <a:tc>
+                      <a:txBody>
+                        <a:bodyPr/>
+                        <a:lstStyle/>
+                        <a:p>
+                          <a:pPr algn="ctr" fontAlgn="ctr"/>
+                          <a:endParaRPr lang="en-US" sz="1400" b="0" i="0" u="none" strike="noStrike" dirty="0">
+                            <a:solidFill>
+                              <a:schemeClr val="tx1"/>
+                            </a:solidFill>
+                            <a:effectLst/>
+                            <a:latin typeface="Consolas" charset="0"/>
+                            <a:ea typeface="Consolas" charset="0"/>
+                            <a:cs typeface="Consolas" charset="0"/>
+                          </a:endParaRPr>
+                        </a:p>
+                      </a:txBody>
+                      <a:tcPr marL="6350" marR="6350" marT="6350" marB="0" anchor="ctr">
+                        <a:lnL w="12700" cmpd="sng">
+                          <a:noFill/>
+                        </a:lnL>
+                        <a:lnT w="12700" cmpd="sng">
+                          <a:noFill/>
+                        </a:lnT>
+                        <a:noFill/>
+                      </a:tcPr>
+                    </a:tc>
+                    <a:tc>
+                      <a:txBody>
+                        <a:bodyPr/>
+                        <a:lstStyle/>
+                        <a:p>
+                          <a:pPr algn="ctr" fontAlgn="ctr"/>
+                          <a:r>
+                            <a:rPr lang="en-US" sz="1400" u="none" strike="noStrike">
+                              <a:solidFill>
+                                <a:schemeClr val="tx1"/>
+                              </a:solidFill>
+                              <a:effectLst/>
+                              <a:latin typeface="Consolas" charset="0"/>
+                              <a:ea typeface="Consolas" charset="0"/>
+                              <a:cs typeface="Consolas" charset="0"/>
+                            </a:rPr>
+                            <a:t>Points</a:t>
+                          </a:r>
+                          <a:endParaRPr lang="en-US" sz="1400" b="0" i="0" u="none" strike="noStrike">
+                            <a:solidFill>
+                              <a:schemeClr val="tx1"/>
+                            </a:solidFill>
+                            <a:effectLst/>
+                            <a:latin typeface="Consolas" charset="0"/>
+                            <a:ea typeface="Consolas" charset="0"/>
+                            <a:cs typeface="Consolas" charset="0"/>
+                          </a:endParaRPr>
+                        </a:p>
+                      </a:txBody>
+                      <a:tcPr marL="6350" marR="6350" marT="6350" marB="0" anchor="ctr">
+                        <a:noFill/>
+                      </a:tcPr>
+                    </a:tc>
+                    <a:tc>
+                      <a:txBody>
+                        <a:bodyPr/>
+                        <a:lstStyle/>
+                        <a:p>
+                          <a:pPr algn="ctr" fontAlgn="ctr"/>
+                          <a:r>
+                            <a:rPr lang="en-US" sz="1400" u="none" strike="noStrike" dirty="0">
+                              <a:solidFill>
+                                <a:schemeClr val="tx1"/>
+                              </a:solidFill>
+                              <a:effectLst/>
+                              <a:latin typeface="Consolas" charset="0"/>
+                              <a:ea typeface="Consolas" charset="0"/>
+                              <a:cs typeface="Consolas" charset="0"/>
+                            </a:rPr>
+                            <a:t>Total Memory (MB)</a:t>
+                          </a:r>
+                          <a:endParaRPr lang="en-US" sz="1400" b="0" i="0" u="none" strike="noStrike" dirty="0">
+                            <a:solidFill>
+                              <a:schemeClr val="tx1"/>
+                            </a:solidFill>
+                            <a:effectLst/>
+                            <a:latin typeface="Consolas" charset="0"/>
+                            <a:ea typeface="Consolas" charset="0"/>
+                            <a:cs typeface="Consolas" charset="0"/>
+                          </a:endParaRPr>
+                        </a:p>
+                      </a:txBody>
+                      <a:tcPr marL="6350" marR="6350" marT="6350" marB="0" anchor="ctr">
+                        <a:noFill/>
+                      </a:tcPr>
+                    </a:tc>
+                    <a:tc>
+                      <a:txBody>
+                        <a:bodyPr/>
+                        <a:lstStyle/>
+                        <a:p>
+                          <a:pPr algn="ctr" fontAlgn="ctr"/>
+                          <a:r>
+                            <a:rPr lang="en-US" sz="1400" u="none" strike="noStrike">
+                              <a:solidFill>
+                                <a:schemeClr val="tx1"/>
+                              </a:solidFill>
+                              <a:effectLst/>
+                              <a:latin typeface="Consolas" charset="0"/>
+                              <a:ea typeface="Consolas" charset="0"/>
+                              <a:cs typeface="Consolas" charset="0"/>
+                            </a:rPr>
+                            <a:t>DS Memory (MB)</a:t>
+                          </a:r>
+                          <a:endParaRPr lang="en-US" sz="1400" b="0" i="0" u="none" strike="noStrike">
+                            <a:solidFill>
+                              <a:schemeClr val="tx1"/>
+                            </a:solidFill>
+                            <a:effectLst/>
+                            <a:latin typeface="Consolas" charset="0"/>
+                            <a:ea typeface="Consolas" charset="0"/>
+                            <a:cs typeface="Consolas" charset="0"/>
+                          </a:endParaRPr>
+                        </a:p>
+                      </a:txBody>
+                      <a:tcPr marL="6350" marR="6350" marT="6350" marB="0" anchor="ctr">
+                        <a:noFill/>
+                      </a:tcPr>
+                    </a:tc>
+                    <a:tc>
+                      <a:txBody>
+                        <a:bodyPr/>
+                        <a:lstStyle/>
+                        <a:p>
+                          <a:pPr algn="ctr" fontAlgn="ctr"/>
+                          <a:r>
+                            <a:rPr lang="en-US" sz="1400" u="none" strike="noStrike">
+                              <a:solidFill>
+                                <a:schemeClr val="tx1"/>
+                              </a:solidFill>
+                              <a:effectLst/>
+                              <a:latin typeface="Consolas" charset="0"/>
+                              <a:ea typeface="Consolas" charset="0"/>
+                              <a:cs typeface="Consolas" charset="0"/>
+                            </a:rPr>
+                            <a:t>Performance</a:t>
+                          </a:r>
+                          <a:endParaRPr lang="en-US" sz="1400" b="0" i="0" u="none" strike="noStrike">
+                            <a:solidFill>
+                              <a:schemeClr val="tx1"/>
+                            </a:solidFill>
+                            <a:effectLst/>
+                            <a:latin typeface="Consolas" charset="0"/>
+                            <a:ea typeface="Consolas" charset="0"/>
+                            <a:cs typeface="Consolas" charset="0"/>
+                          </a:endParaRPr>
+                        </a:p>
+                      </a:txBody>
+                      <a:tcPr marL="6350" marR="6350" marT="6350" marB="0" anchor="ctr">
+                        <a:noFill/>
+                      </a:tcPr>
+                    </a:tc>
+                    <a:tc>
+                      <a:txBody>
+                        <a:bodyPr/>
+                        <a:lstStyle/>
+                        <a:p>
+                          <a:pPr algn="ctr" fontAlgn="ctr"/>
+                          <a:r>
+                            <a:rPr lang="en-US" sz="1400" u="none" strike="noStrike">
+                              <a:solidFill>
+                                <a:schemeClr val="tx1"/>
+                              </a:solidFill>
+                              <a:effectLst/>
+                              <a:latin typeface="Consolas" charset="0"/>
+                              <a:ea typeface="Consolas" charset="0"/>
+                              <a:cs typeface="Consolas" charset="0"/>
+                            </a:rPr>
+                            <a:t>Time Complexity</a:t>
+                          </a:r>
+                          <a:endParaRPr lang="en-US" sz="1400" b="0" i="0" u="none" strike="noStrike">
+                            <a:solidFill>
+                              <a:schemeClr val="tx1"/>
+                            </a:solidFill>
+                            <a:effectLst/>
+                            <a:latin typeface="Consolas" charset="0"/>
+                            <a:ea typeface="Consolas" charset="0"/>
+                            <a:cs typeface="Consolas" charset="0"/>
+                          </a:endParaRPr>
+                        </a:p>
+                      </a:txBody>
+                      <a:tcPr marL="6350" marR="6350" marT="6350" marB="0" anchor="ctr">
+                        <a:noFill/>
+                      </a:tcPr>
+                    </a:tc>
+                  </a:tr>
+                  <a:tr h="347237">
+                    <a:tc>
+                      <a:txBody>
+                        <a:bodyPr/>
+                        <a:lstStyle/>
+                        <a:p>
+                          <a:pPr algn="ctr" fontAlgn="ctr"/>
+                          <a:r>
+                            <a:rPr lang="en-US" sz="1400" u="none" strike="noStrike" dirty="0">
+                              <a:solidFill>
+                                <a:schemeClr val="tx1"/>
+                              </a:solidFill>
+                              <a:effectLst/>
+                              <a:latin typeface="Consolas" charset="0"/>
+                              <a:ea typeface="Consolas" charset="0"/>
+                              <a:cs typeface="Consolas" charset="0"/>
+                            </a:rPr>
+                            <a:t>Initial Submission</a:t>
+                          </a:r>
+                          <a:endParaRPr lang="en-US" sz="1400" b="0" i="0" u="none" strike="noStrike" dirty="0">
+                            <a:solidFill>
+                              <a:schemeClr val="tx1"/>
+                            </a:solidFill>
+                            <a:effectLst/>
+                            <a:latin typeface="Consolas" charset="0"/>
+                            <a:ea typeface="Consolas" charset="0"/>
+                            <a:cs typeface="Consolas" charset="0"/>
+                          </a:endParaRPr>
+                        </a:p>
+                      </a:txBody>
+                      <a:tcPr marL="6350" marR="6350" marT="6350" marB="0" anchor="ctr">
+                        <a:noFill/>
+                      </a:tcPr>
+                    </a:tc>
+                    <a:tc rowSpan="2">
+                      <a:txBody>
+                        <a:bodyPr/>
+                        <a:lstStyle/>
+                        <a:p>
+                          <a:pPr algn="ctr" fontAlgn="ctr"/>
+                          <a:r>
+                            <a:rPr lang="hr-HR" sz="1600" b="0" i="0" u="none" strike="noStrike" dirty="0" smtClean="0">
+                              <a:solidFill>
+                                <a:schemeClr val="tx1"/>
+                              </a:solidFill>
+                              <a:effectLst/>
+                              <a:latin typeface="Consolas" charset="0"/>
+                              <a:ea typeface="Consolas" charset="0"/>
+                              <a:cs typeface="Consolas" charset="0"/>
+                            </a:rPr>
+                            <a:t>247.2</a:t>
+                          </a:r>
+                          <a:endParaRPr lang="hr-HR" sz="1600" b="0" i="0" u="none" strike="noStrike" dirty="0">
+                            <a:solidFill>
+                              <a:schemeClr val="tx1"/>
+                            </a:solidFill>
+                            <a:effectLst/>
+                            <a:latin typeface="Consolas" charset="0"/>
+                            <a:ea typeface="Consolas" charset="0"/>
+                            <a:cs typeface="Consolas" charset="0"/>
+                          </a:endParaRPr>
+                        </a:p>
+                      </a:txBody>
+                      <a:tcPr marL="6350" marR="6350" marT="6350" marB="0" anchor="ctr">
+                        <a:noFill/>
+                      </a:tcPr>
+                    </a:tc>
+                    <a:tc>
+                      <a:txBody>
+                        <a:bodyPr/>
+                        <a:lstStyle/>
+                        <a:p>
+                          <a:pPr algn="ctr" fontAlgn="ctr"/>
+                          <a:r>
+                            <a:rPr lang="hr-HR" sz="1600" u="none" strike="noStrike">
+                              <a:solidFill>
+                                <a:schemeClr val="tx1"/>
+                              </a:solidFill>
+                              <a:effectLst/>
+                              <a:latin typeface="Consolas" charset="0"/>
+                              <a:ea typeface="Consolas" charset="0"/>
+                              <a:cs typeface="Consolas" charset="0"/>
+                            </a:rPr>
+                            <a:t>42.6</a:t>
+                          </a:r>
+                          <a:endParaRPr lang="hr-HR" sz="1600" b="0" i="0" u="none" strike="noStrike">
+                            <a:solidFill>
+                              <a:schemeClr val="tx1"/>
+                            </a:solidFill>
+                            <a:effectLst/>
+                            <a:latin typeface="Consolas" charset="0"/>
+                            <a:ea typeface="Consolas" charset="0"/>
+                            <a:cs typeface="Consolas" charset="0"/>
+                          </a:endParaRPr>
+                        </a:p>
+                      </a:txBody>
+                      <a:tcPr marL="6350" marR="6350" marT="6350" marB="0" anchor="ctr">
+                        <a:noFill/>
+                      </a:tcPr>
+                    </a:tc>
+                    <a:tc>
+                      <a:txBody>
+                        <a:bodyPr/>
+                        <a:lstStyle/>
+                        <a:p>
+                          <a:pPr algn="ctr" fontAlgn="ctr"/>
+                          <a:r>
+                            <a:rPr lang="hr-HR" sz="1600" u="none" strike="noStrike">
+                              <a:solidFill>
+                                <a:schemeClr val="tx1"/>
+                              </a:solidFill>
+                              <a:effectLst/>
+                              <a:latin typeface="Consolas" charset="0"/>
+                              <a:ea typeface="Consolas" charset="0"/>
+                              <a:cs typeface="Consolas" charset="0"/>
+                            </a:rPr>
+                            <a:t>16.5</a:t>
+                          </a:r>
+                          <a:endParaRPr lang="hr-HR" sz="1600" b="0" i="0" u="none" strike="noStrike">
+                            <a:solidFill>
+                              <a:schemeClr val="tx1"/>
+                            </a:solidFill>
+                            <a:effectLst/>
+                            <a:latin typeface="Consolas" charset="0"/>
+                            <a:ea typeface="Consolas" charset="0"/>
+                            <a:cs typeface="Consolas" charset="0"/>
+                          </a:endParaRPr>
+                        </a:p>
+                      </a:txBody>
+                      <a:tcPr marL="6350" marR="6350" marT="6350" marB="0" anchor="ctr">
+                        <a:noFill/>
+                      </a:tcPr>
+                    </a:tc>
+                    <a:tc>
+                      <a:txBody>
+                        <a:bodyPr/>
+                        <a:lstStyle/>
+                        <a:p>
+                          <a:pPr algn="ctr" fontAlgn="ctr"/>
+                          <a:r>
+                            <a:rPr lang="is-IS" sz="1600" u="none" strike="noStrike">
+                              <a:solidFill>
+                                <a:schemeClr val="tx1"/>
+                              </a:solidFill>
+                              <a:effectLst/>
+                              <a:latin typeface="Consolas" charset="0"/>
+                              <a:ea typeface="Consolas" charset="0"/>
+                              <a:cs typeface="Consolas" charset="0"/>
+                            </a:rPr>
+                            <a:t>127</a:t>
+                          </a:r>
+                          <a:endParaRPr lang="is-IS" sz="1600" b="0" i="0" u="none" strike="noStrike">
+                            <a:solidFill>
+                              <a:schemeClr val="tx1"/>
+                            </a:solidFill>
+                            <a:effectLst/>
+                            <a:latin typeface="Consolas" charset="0"/>
+                            <a:ea typeface="Consolas" charset="0"/>
+                            <a:cs typeface="Consolas" charset="0"/>
+                          </a:endParaRPr>
+                        </a:p>
+                      </a:txBody>
+                      <a:tcPr marL="6350" marR="6350" marT="6350" marB="0" anchor="ctr">
+                        <a:noFill/>
+                      </a:tcPr>
+                    </a:tc>
+                    <a:tc rowSpan="2">
+                      <a:txBody>
+                        <a:bodyPr/>
+                        <a:lstStyle/>
+                        <a:p>
+                          <a:pPr algn="ctr" fontAlgn="ctr"/>
+                          <a14:m>
+                            <m:oMath xmlns:m="http://schemas.openxmlformats.org/officeDocument/2006/math">
+                              <m:r>
+                                <a:rPr lang="en-US" sz="2000" i="1" kern="1200" smtClean="0">
+                                  <a:solidFill>
+                                    <a:schemeClr val="tx1"/>
+                                  </a:solidFill>
+                                  <a:effectLst/>
+                                  <a:latin typeface="+mn-lt"/>
+                                  <a:ea typeface="+mn-ea"/>
+                                  <a:cs typeface="+mn-cs"/>
+                                </a:rPr>
+                                <m:t>16×</m:t>
+                              </m:r>
+                              <m:nary>
+                                <m:naryPr>
+                                  <m:chr m:val="∑"/>
+                                  <m:limLoc m:val="undOvr"/>
+                                  <m:ctrlPr>
+                                    <a:rPr lang="en-US" sz="2000" i="1" kern="1200">
+                                      <a:solidFill>
+                                        <a:schemeClr val="tx1"/>
+                                      </a:solidFill>
+                                      <a:effectLst/>
+                                      <a:latin typeface="+mn-lt"/>
+                                      <a:ea typeface="+mn-ea"/>
+                                      <a:cs typeface="+mn-cs"/>
+                                    </a:rPr>
+                                  </m:ctrlPr>
+                                </m:naryPr>
+                                <m:sub>
+                                  <m:r>
+                                    <a:rPr lang="en-US" sz="2000" i="1" kern="1200">
+                                      <a:solidFill>
+                                        <a:schemeClr val="tx1"/>
+                                      </a:solidFill>
+                                      <a:effectLst/>
+                                      <a:latin typeface="+mn-lt"/>
+                                      <a:ea typeface="+mn-ea"/>
+                                      <a:cs typeface="+mn-cs"/>
+                                    </a:rPr>
+                                    <m:t>𝑖</m:t>
+                                  </m:r>
+                                  <m:r>
+                                    <a:rPr lang="en-US" sz="2000" i="1" kern="1200">
+                                      <a:solidFill>
+                                        <a:schemeClr val="tx1"/>
+                                      </a:solidFill>
+                                      <a:effectLst/>
+                                      <a:latin typeface="+mn-lt"/>
+                                      <a:ea typeface="+mn-ea"/>
+                                      <a:cs typeface="+mn-cs"/>
+                                    </a:rPr>
+                                    <m:t>=3</m:t>
+                                  </m:r>
+                                </m:sub>
+                                <m:sup>
+                                  <m:r>
+                                    <a:rPr lang="en-US" sz="2000" i="1" kern="1200">
+                                      <a:solidFill>
+                                        <a:schemeClr val="tx1"/>
+                                      </a:solidFill>
+                                      <a:effectLst/>
+                                      <a:latin typeface="+mn-lt"/>
+                                      <a:ea typeface="+mn-ea"/>
+                                      <a:cs typeface="+mn-cs"/>
+                                    </a:rPr>
+                                    <m:t>16</m:t>
+                                  </m:r>
+                                </m:sup>
+                                <m:e>
+                                  <m:r>
+                                    <a:rPr lang="en-US" sz="2000" i="1" kern="1200">
+                                      <a:solidFill>
+                                        <a:schemeClr val="tx1"/>
+                                      </a:solidFill>
+                                      <a:effectLst/>
+                                      <a:latin typeface="+mn-lt"/>
+                                      <a:ea typeface="+mn-ea"/>
+                                      <a:cs typeface="+mn-cs"/>
+                                    </a:rPr>
+                                    <m:t>8!</m:t>
+                                  </m:r>
+                                </m:e>
+                              </m:nary>
+                              <m:r>
+                                <a:rPr lang="en-US" sz="2000" i="1" kern="1200">
+                                  <a:solidFill>
+                                    <a:schemeClr val="tx1"/>
+                                  </a:solidFill>
+                                  <a:effectLst/>
+                                  <a:latin typeface="+mn-lt"/>
+                                  <a:ea typeface="+mn-ea"/>
+                                  <a:cs typeface="+mn-cs"/>
+                                </a:rPr>
+                                <m:t>=9031680</m:t>
+                              </m:r>
+                            </m:oMath>
+                          </a14:m>
+                          <a:r>
+                            <a:rPr lang="en-US" sz="1600" dirty="0">
+                              <a:solidFill>
+                                <a:schemeClr val="tx1"/>
+                              </a:solidFill>
+                              <a:effectLst/>
+                            </a:rPr>
+                            <a:t> </a:t>
+                          </a:r>
+                          <a:endParaRPr lang="mr-IN" sz="1600" b="0" i="0" u="none" strike="noStrike" dirty="0">
+                            <a:solidFill>
+                              <a:schemeClr val="tx1"/>
+                            </a:solidFill>
+                            <a:effectLst/>
+                            <a:latin typeface="Consolas" charset="0"/>
+                            <a:ea typeface="Consolas" charset="0"/>
+                            <a:cs typeface="Consolas" charset="0"/>
+                          </a:endParaRPr>
+                        </a:p>
+                      </a:txBody>
+                      <a:tcPr marL="6350" marR="6350" marT="6350" marB="0" anchor="ctr">
+                        <a:noFill/>
+                      </a:tcPr>
+                    </a:tc>
+                  </a:tr>
+                  <a:tr h="347237">
+                    <a:tc>
+                      <a:txBody>
+                        <a:bodyPr/>
+                        <a:lstStyle/>
+                        <a:p>
+                          <a:pPr algn="ctr" fontAlgn="ctr"/>
+                          <a:r>
+                            <a:rPr lang="en-US" sz="1400" u="none" strike="noStrike">
+                              <a:solidFill>
+                                <a:schemeClr val="tx1"/>
+                              </a:solidFill>
+                              <a:effectLst/>
+                              <a:latin typeface="Consolas" charset="0"/>
+                              <a:ea typeface="Consolas" charset="0"/>
+                              <a:cs typeface="Consolas" charset="0"/>
+                            </a:rPr>
+                            <a:t>Final Submission</a:t>
+                          </a:r>
+                          <a:endParaRPr lang="en-US" sz="1400" b="0" i="0" u="none" strike="noStrike">
+                            <a:solidFill>
+                              <a:schemeClr val="tx1"/>
+                            </a:solidFill>
+                            <a:effectLst/>
+                            <a:latin typeface="Consolas" charset="0"/>
+                            <a:ea typeface="Consolas" charset="0"/>
+                            <a:cs typeface="Consolas" charset="0"/>
+                          </a:endParaRPr>
+                        </a:p>
+                      </a:txBody>
+                      <a:tcPr marL="6350" marR="6350" marT="6350" marB="0" anchor="ctr">
+                        <a:noFill/>
+                      </a:tcPr>
+                    </a:tc>
+                    <a:tc vMerge="1">
+                      <a:txBody>
+                        <a:bodyPr/>
+                        <a:lstStyle/>
+                        <a:p>
+                          <a:endParaRPr/>
+                        </a:p>
+                      </a:txBody>
+                      <a:tcPr/>
+                    </a:tc>
+                    <a:tc>
+                      <a:txBody>
+                        <a:bodyPr/>
+                        <a:lstStyle/>
+                        <a:p>
+                          <a:pPr algn="ctr" fontAlgn="ctr"/>
+                          <a:r>
+                            <a:rPr lang="hr-HR" sz="1600" u="none" strike="noStrike" dirty="0">
+                              <a:solidFill>
+                                <a:schemeClr val="tx1"/>
+                              </a:solidFill>
+                              <a:effectLst/>
+                              <a:latin typeface="Consolas" charset="0"/>
+                              <a:ea typeface="Consolas" charset="0"/>
+                              <a:cs typeface="Consolas" charset="0"/>
+                            </a:rPr>
+                            <a:t>32.2</a:t>
+                          </a:r>
+                          <a:endParaRPr lang="hr-HR" sz="1600" b="0" i="0" u="none" strike="noStrike" dirty="0">
+                            <a:solidFill>
+                              <a:schemeClr val="tx1"/>
+                            </a:solidFill>
+                            <a:effectLst/>
+                            <a:latin typeface="Consolas" charset="0"/>
+                            <a:ea typeface="Consolas" charset="0"/>
+                            <a:cs typeface="Consolas" charset="0"/>
+                          </a:endParaRPr>
+                        </a:p>
+                      </a:txBody>
+                      <a:tcPr marL="6350" marR="6350" marT="6350" marB="0" anchor="ctr">
+                        <a:noFill/>
+                      </a:tcPr>
+                    </a:tc>
+                    <a:tc>
+                      <a:txBody>
+                        <a:bodyPr/>
+                        <a:lstStyle/>
+                        <a:p>
+                          <a:pPr algn="ctr" fontAlgn="ctr"/>
+                          <a:r>
+                            <a:rPr lang="nb-NO" sz="1600" u="none" strike="noStrike" dirty="0">
+                              <a:solidFill>
+                                <a:schemeClr val="tx1"/>
+                              </a:solidFill>
+                              <a:effectLst/>
+                              <a:latin typeface="Consolas" charset="0"/>
+                              <a:ea typeface="Consolas" charset="0"/>
+                              <a:cs typeface="Consolas" charset="0"/>
+                            </a:rPr>
+                            <a:t>5.9</a:t>
+                          </a:r>
+                          <a:endParaRPr lang="nb-NO" sz="1600" b="0" i="0" u="none" strike="noStrike" dirty="0">
+                            <a:solidFill>
+                              <a:schemeClr val="tx1"/>
+                            </a:solidFill>
+                            <a:effectLst/>
+                            <a:latin typeface="Consolas" charset="0"/>
+                            <a:ea typeface="Consolas" charset="0"/>
+                            <a:cs typeface="Consolas" charset="0"/>
+                          </a:endParaRPr>
+                        </a:p>
+                      </a:txBody>
+                      <a:tcPr marL="6350" marR="6350" marT="6350" marB="0" anchor="ctr">
+                        <a:noFill/>
+                      </a:tcPr>
+                    </a:tc>
+                    <a:tc>
+                      <a:txBody>
+                        <a:bodyPr/>
+                        <a:lstStyle/>
+                        <a:p>
+                          <a:pPr algn="ctr" fontAlgn="ctr"/>
+                          <a:r>
+                            <a:rPr lang="en-US" sz="1600" b="0" i="0" u="none" strike="noStrike" dirty="0" smtClean="0">
+                              <a:solidFill>
+                                <a:schemeClr val="tx1"/>
+                              </a:solidFill>
+                              <a:effectLst/>
+                              <a:latin typeface="Consolas" charset="0"/>
+                              <a:ea typeface="Consolas" charset="0"/>
+                              <a:cs typeface="Consolas" charset="0"/>
+                            </a:rPr>
+                            <a:t>145</a:t>
+                          </a:r>
+                          <a:endParaRPr lang="en-US" sz="1600" b="0" i="0" u="none" strike="noStrike" dirty="0">
+                            <a:solidFill>
+                              <a:schemeClr val="tx1"/>
+                            </a:solidFill>
+                            <a:effectLst/>
+                            <a:latin typeface="Consolas" charset="0"/>
+                            <a:ea typeface="Consolas" charset="0"/>
+                            <a:cs typeface="Consolas" charset="0"/>
+                          </a:endParaRPr>
+                        </a:p>
+                      </a:txBody>
+                      <a:tcPr marL="6350" marR="6350" marT="6350" marB="0" anchor="ctr">
+                        <a:noFill/>
+                      </a:tcPr>
+                    </a:tc>
+                    <a:tc vMerge="1">
+                      <a:txBody>
+                        <a:bodyPr/>
+                        <a:lstStyle/>
+                        <a:p>
+                          <a:endParaRPr/>
+                        </a:p>
+                      </a:txBody>
+                      <a:tcPr/>
+                    </a:tc>
+                  </a:tr>
+                </a:tbl>
+              </a:graphicData>
+            </a:graphic>
+          </p:graphicFrame>
+        </mc:Choice>
+        <mc:Fallback>
+          <p:graphicFrame>
+            <p:nvGraphicFramePr>
+              <p:cNvPr id="6" name="Content Placeholder 3"/>
+              <p:cNvGraphicFramePr>
+                <a:graphicFrameLocks/>
+              </p:cNvGraphicFramePr>
+              <p:nvPr>
+                <p:extLst>
+                  <p:ext uri="{D42A27DB-BD31-4B8C-83A1-F6EECF244321}">
+                    <p14:modId xmlns:p14="http://schemas.microsoft.com/office/powerpoint/2010/main" val="2053969091"/>
+                  </p:ext>
+                </p:extLst>
+              </p:nvPr>
+            </p:nvGraphicFramePr>
+            <p:xfrm>
+              <a:off x="677332" y="2192121"/>
+              <a:ext cx="10052400" cy="1041711"/>
+            </p:xfrm>
+            <a:graphic>
+              <a:graphicData uri="http://schemas.openxmlformats.org/drawingml/2006/table">
+                <a:tbl>
+                  <a:tblPr>
+                    <a:tableStyleId>{5C22544A-7EE6-4342-B048-85BDC9FD1C3A}</a:tableStyleId>
+                  </a:tblPr>
+                  <a:tblGrid>
+                    <a:gridCol w="1797064"/>
+                    <a:gridCol w="802449"/>
+                    <a:gridCol w="1692839"/>
+                    <a:gridCol w="1560930"/>
+                    <a:gridCol w="1231156"/>
+                    <a:gridCol w="2967962"/>
+                  </a:tblGrid>
+                  <a:tr h="347237">
+                    <a:tc>
+                      <a:txBody>
+                        <a:bodyPr/>
+                        <a:lstStyle/>
+                        <a:p>
+                          <a:pPr algn="ctr" fontAlgn="ctr"/>
+                          <a:endParaRPr lang="en-US" sz="1400" b="0" i="0" u="none" strike="noStrike" dirty="0">
+                            <a:solidFill>
+                              <a:schemeClr val="tx1"/>
+                            </a:solidFill>
+                            <a:effectLst/>
+                            <a:latin typeface="Consolas" charset="0"/>
+                            <a:ea typeface="Consolas" charset="0"/>
+                            <a:cs typeface="Consolas" charset="0"/>
+                          </a:endParaRPr>
+                        </a:p>
+                      </a:txBody>
+                      <a:tcPr marL="6350" marR="6350" marT="6350" marB="0" anchor="ctr">
+                        <a:lnL w="12700" cmpd="sng">
+                          <a:noFill/>
+                        </a:lnL>
+                        <a:lnT w="12700" cmpd="sng">
+                          <a:noFill/>
+                        </a:lnT>
+                        <a:noFill/>
+                      </a:tcPr>
+                    </a:tc>
+                    <a:tc>
+                      <a:txBody>
+                        <a:bodyPr/>
+                        <a:lstStyle/>
+                        <a:p>
+                          <a:pPr algn="ctr" fontAlgn="ctr"/>
+                          <a:r>
+                            <a:rPr lang="en-US" sz="1400" u="none" strike="noStrike">
+                              <a:solidFill>
+                                <a:schemeClr val="tx1"/>
+                              </a:solidFill>
+                              <a:effectLst/>
+                              <a:latin typeface="Consolas" charset="0"/>
+                              <a:ea typeface="Consolas" charset="0"/>
+                              <a:cs typeface="Consolas" charset="0"/>
+                            </a:rPr>
+                            <a:t>Points</a:t>
+                          </a:r>
+                          <a:endParaRPr lang="en-US" sz="1400" b="0" i="0" u="none" strike="noStrike">
+                            <a:solidFill>
+                              <a:schemeClr val="tx1"/>
+                            </a:solidFill>
+                            <a:effectLst/>
+                            <a:latin typeface="Consolas" charset="0"/>
+                            <a:ea typeface="Consolas" charset="0"/>
+                            <a:cs typeface="Consolas" charset="0"/>
+                          </a:endParaRPr>
+                        </a:p>
+                      </a:txBody>
+                      <a:tcPr marL="6350" marR="6350" marT="6350" marB="0" anchor="ctr">
+                        <a:noFill/>
+                      </a:tcPr>
+                    </a:tc>
+                    <a:tc>
+                      <a:txBody>
+                        <a:bodyPr/>
+                        <a:lstStyle/>
+                        <a:p>
+                          <a:pPr algn="ctr" fontAlgn="ctr"/>
+                          <a:r>
+                            <a:rPr lang="en-US" sz="1400" u="none" strike="noStrike" dirty="0">
+                              <a:solidFill>
+                                <a:schemeClr val="tx1"/>
+                              </a:solidFill>
+                              <a:effectLst/>
+                              <a:latin typeface="Consolas" charset="0"/>
+                              <a:ea typeface="Consolas" charset="0"/>
+                              <a:cs typeface="Consolas" charset="0"/>
+                            </a:rPr>
+                            <a:t>Total Memory (MB)</a:t>
+                          </a:r>
+                          <a:endParaRPr lang="en-US" sz="1400" b="0" i="0" u="none" strike="noStrike" dirty="0">
+                            <a:solidFill>
+                              <a:schemeClr val="tx1"/>
+                            </a:solidFill>
+                            <a:effectLst/>
+                            <a:latin typeface="Consolas" charset="0"/>
+                            <a:ea typeface="Consolas" charset="0"/>
+                            <a:cs typeface="Consolas" charset="0"/>
+                          </a:endParaRPr>
+                        </a:p>
+                      </a:txBody>
+                      <a:tcPr marL="6350" marR="6350" marT="6350" marB="0" anchor="ctr">
+                        <a:noFill/>
+                      </a:tcPr>
+                    </a:tc>
+                    <a:tc>
+                      <a:txBody>
+                        <a:bodyPr/>
+                        <a:lstStyle/>
+                        <a:p>
+                          <a:pPr algn="ctr" fontAlgn="ctr"/>
+                          <a:r>
+                            <a:rPr lang="en-US" sz="1400" u="none" strike="noStrike">
+                              <a:solidFill>
+                                <a:schemeClr val="tx1"/>
+                              </a:solidFill>
+                              <a:effectLst/>
+                              <a:latin typeface="Consolas" charset="0"/>
+                              <a:ea typeface="Consolas" charset="0"/>
+                              <a:cs typeface="Consolas" charset="0"/>
+                            </a:rPr>
+                            <a:t>DS Memory (MB)</a:t>
+                          </a:r>
+                          <a:endParaRPr lang="en-US" sz="1400" b="0" i="0" u="none" strike="noStrike">
+                            <a:solidFill>
+                              <a:schemeClr val="tx1"/>
+                            </a:solidFill>
+                            <a:effectLst/>
+                            <a:latin typeface="Consolas" charset="0"/>
+                            <a:ea typeface="Consolas" charset="0"/>
+                            <a:cs typeface="Consolas" charset="0"/>
+                          </a:endParaRPr>
+                        </a:p>
+                      </a:txBody>
+                      <a:tcPr marL="6350" marR="6350" marT="6350" marB="0" anchor="ctr">
+                        <a:noFill/>
+                      </a:tcPr>
+                    </a:tc>
+                    <a:tc>
+                      <a:txBody>
+                        <a:bodyPr/>
+                        <a:lstStyle/>
+                        <a:p>
+                          <a:pPr algn="ctr" fontAlgn="ctr"/>
+                          <a:r>
+                            <a:rPr lang="en-US" sz="1400" u="none" strike="noStrike">
+                              <a:solidFill>
+                                <a:schemeClr val="tx1"/>
+                              </a:solidFill>
+                              <a:effectLst/>
+                              <a:latin typeface="Consolas" charset="0"/>
+                              <a:ea typeface="Consolas" charset="0"/>
+                              <a:cs typeface="Consolas" charset="0"/>
+                            </a:rPr>
+                            <a:t>Performance</a:t>
+                          </a:r>
+                          <a:endParaRPr lang="en-US" sz="1400" b="0" i="0" u="none" strike="noStrike">
+                            <a:solidFill>
+                              <a:schemeClr val="tx1"/>
+                            </a:solidFill>
+                            <a:effectLst/>
+                            <a:latin typeface="Consolas" charset="0"/>
+                            <a:ea typeface="Consolas" charset="0"/>
+                            <a:cs typeface="Consolas" charset="0"/>
+                          </a:endParaRPr>
+                        </a:p>
+                      </a:txBody>
+                      <a:tcPr marL="6350" marR="6350" marT="6350" marB="0" anchor="ctr">
+                        <a:noFill/>
+                      </a:tcPr>
+                    </a:tc>
+                    <a:tc>
+                      <a:txBody>
+                        <a:bodyPr/>
+                        <a:lstStyle/>
+                        <a:p>
+                          <a:pPr algn="ctr" fontAlgn="ctr"/>
+                          <a:r>
+                            <a:rPr lang="en-US" sz="1400" u="none" strike="noStrike">
+                              <a:solidFill>
+                                <a:schemeClr val="tx1"/>
+                              </a:solidFill>
+                              <a:effectLst/>
+                              <a:latin typeface="Consolas" charset="0"/>
+                              <a:ea typeface="Consolas" charset="0"/>
+                              <a:cs typeface="Consolas" charset="0"/>
+                            </a:rPr>
+                            <a:t>Time Complexity</a:t>
+                          </a:r>
+                          <a:endParaRPr lang="en-US" sz="1400" b="0" i="0" u="none" strike="noStrike">
+                            <a:solidFill>
+                              <a:schemeClr val="tx1"/>
+                            </a:solidFill>
+                            <a:effectLst/>
+                            <a:latin typeface="Consolas" charset="0"/>
+                            <a:ea typeface="Consolas" charset="0"/>
+                            <a:cs typeface="Consolas" charset="0"/>
+                          </a:endParaRPr>
+                        </a:p>
+                      </a:txBody>
+                      <a:tcPr marL="6350" marR="6350" marT="6350" marB="0" anchor="ctr">
+                        <a:noFill/>
+                      </a:tcPr>
+                    </a:tc>
+                  </a:tr>
+                  <a:tr h="347237">
+                    <a:tc>
+                      <a:txBody>
+                        <a:bodyPr/>
+                        <a:lstStyle/>
+                        <a:p>
+                          <a:pPr algn="ctr" fontAlgn="ctr"/>
+                          <a:r>
+                            <a:rPr lang="en-US" sz="1400" u="none" strike="noStrike" dirty="0">
+                              <a:solidFill>
+                                <a:schemeClr val="tx1"/>
+                              </a:solidFill>
+                              <a:effectLst/>
+                              <a:latin typeface="Consolas" charset="0"/>
+                              <a:ea typeface="Consolas" charset="0"/>
+                              <a:cs typeface="Consolas" charset="0"/>
+                            </a:rPr>
+                            <a:t>Initial Submission</a:t>
+                          </a:r>
+                          <a:endParaRPr lang="en-US" sz="1400" b="0" i="0" u="none" strike="noStrike" dirty="0">
+                            <a:solidFill>
+                              <a:schemeClr val="tx1"/>
+                            </a:solidFill>
+                            <a:effectLst/>
+                            <a:latin typeface="Consolas" charset="0"/>
+                            <a:ea typeface="Consolas" charset="0"/>
+                            <a:cs typeface="Consolas" charset="0"/>
+                          </a:endParaRPr>
+                        </a:p>
+                      </a:txBody>
+                      <a:tcPr marL="6350" marR="6350" marT="6350" marB="0" anchor="ctr">
+                        <a:noFill/>
+                      </a:tcPr>
+                    </a:tc>
+                    <a:tc rowSpan="2">
+                      <a:txBody>
+                        <a:bodyPr/>
+                        <a:lstStyle/>
+                        <a:p>
+                          <a:pPr algn="ctr" fontAlgn="ctr"/>
+                          <a:r>
+                            <a:rPr lang="hr-HR" sz="1600" b="0" i="0" u="none" strike="noStrike" dirty="0" smtClean="0">
+                              <a:solidFill>
+                                <a:schemeClr val="tx1"/>
+                              </a:solidFill>
+                              <a:effectLst/>
+                              <a:latin typeface="Consolas" charset="0"/>
+                              <a:ea typeface="Consolas" charset="0"/>
+                              <a:cs typeface="Consolas" charset="0"/>
+                            </a:rPr>
+                            <a:t>247.2</a:t>
+                          </a:r>
+                          <a:endParaRPr lang="hr-HR" sz="1600" b="0" i="0" u="none" strike="noStrike" dirty="0">
+                            <a:solidFill>
+                              <a:schemeClr val="tx1"/>
+                            </a:solidFill>
+                            <a:effectLst/>
+                            <a:latin typeface="Consolas" charset="0"/>
+                            <a:ea typeface="Consolas" charset="0"/>
+                            <a:cs typeface="Consolas" charset="0"/>
+                          </a:endParaRPr>
+                        </a:p>
+                      </a:txBody>
+                      <a:tcPr marL="6350" marR="6350" marT="6350" marB="0" anchor="ctr">
+                        <a:noFill/>
+                      </a:tcPr>
+                    </a:tc>
+                    <a:tc>
+                      <a:txBody>
+                        <a:bodyPr/>
+                        <a:lstStyle/>
+                        <a:p>
+                          <a:pPr algn="ctr" fontAlgn="ctr"/>
+                          <a:r>
+                            <a:rPr lang="hr-HR" sz="1600" u="none" strike="noStrike">
+                              <a:solidFill>
+                                <a:schemeClr val="tx1"/>
+                              </a:solidFill>
+                              <a:effectLst/>
+                              <a:latin typeface="Consolas" charset="0"/>
+                              <a:ea typeface="Consolas" charset="0"/>
+                              <a:cs typeface="Consolas" charset="0"/>
+                            </a:rPr>
+                            <a:t>42.6</a:t>
+                          </a:r>
+                          <a:endParaRPr lang="hr-HR" sz="1600" b="0" i="0" u="none" strike="noStrike">
+                            <a:solidFill>
+                              <a:schemeClr val="tx1"/>
+                            </a:solidFill>
+                            <a:effectLst/>
+                            <a:latin typeface="Consolas" charset="0"/>
+                            <a:ea typeface="Consolas" charset="0"/>
+                            <a:cs typeface="Consolas" charset="0"/>
+                          </a:endParaRPr>
+                        </a:p>
+                      </a:txBody>
+                      <a:tcPr marL="6350" marR="6350" marT="6350" marB="0" anchor="ctr">
+                        <a:noFill/>
+                      </a:tcPr>
+                    </a:tc>
+                    <a:tc>
+                      <a:txBody>
+                        <a:bodyPr/>
+                        <a:lstStyle/>
+                        <a:p>
+                          <a:pPr algn="ctr" fontAlgn="ctr"/>
+                          <a:r>
+                            <a:rPr lang="hr-HR" sz="1600" u="none" strike="noStrike">
+                              <a:solidFill>
+                                <a:schemeClr val="tx1"/>
+                              </a:solidFill>
+                              <a:effectLst/>
+                              <a:latin typeface="Consolas" charset="0"/>
+                              <a:ea typeface="Consolas" charset="0"/>
+                              <a:cs typeface="Consolas" charset="0"/>
+                            </a:rPr>
+                            <a:t>16.5</a:t>
+                          </a:r>
+                          <a:endParaRPr lang="hr-HR" sz="1600" b="0" i="0" u="none" strike="noStrike">
+                            <a:solidFill>
+                              <a:schemeClr val="tx1"/>
+                            </a:solidFill>
+                            <a:effectLst/>
+                            <a:latin typeface="Consolas" charset="0"/>
+                            <a:ea typeface="Consolas" charset="0"/>
+                            <a:cs typeface="Consolas" charset="0"/>
+                          </a:endParaRPr>
+                        </a:p>
+                      </a:txBody>
+                      <a:tcPr marL="6350" marR="6350" marT="6350" marB="0" anchor="ctr">
+                        <a:noFill/>
+                      </a:tcPr>
+                    </a:tc>
+                    <a:tc>
+                      <a:txBody>
+                        <a:bodyPr/>
+                        <a:lstStyle/>
+                        <a:p>
+                          <a:pPr algn="ctr" fontAlgn="ctr"/>
+                          <a:r>
+                            <a:rPr lang="is-IS" sz="1600" u="none" strike="noStrike">
+                              <a:solidFill>
+                                <a:schemeClr val="tx1"/>
+                              </a:solidFill>
+                              <a:effectLst/>
+                              <a:latin typeface="Consolas" charset="0"/>
+                              <a:ea typeface="Consolas" charset="0"/>
+                              <a:cs typeface="Consolas" charset="0"/>
+                            </a:rPr>
+                            <a:t>127</a:t>
+                          </a:r>
+                          <a:endParaRPr lang="is-IS" sz="1600" b="0" i="0" u="none" strike="noStrike">
+                            <a:solidFill>
+                              <a:schemeClr val="tx1"/>
+                            </a:solidFill>
+                            <a:effectLst/>
+                            <a:latin typeface="Consolas" charset="0"/>
+                            <a:ea typeface="Consolas" charset="0"/>
+                            <a:cs typeface="Consolas" charset="0"/>
+                          </a:endParaRPr>
+                        </a:p>
+                      </a:txBody>
+                      <a:tcPr marL="6350" marR="6350" marT="6350" marB="0" anchor="ctr">
+                        <a:noFill/>
+                      </a:tcPr>
+                    </a:tc>
+                    <a:tc rowSpan="2">
+                      <a:txBody>
+                        <a:bodyPr/>
+                        <a:lstStyle/>
+                        <a:p>
+                          <a:endParaRPr lang="en-US"/>
+                        </a:p>
+                      </a:txBody>
+                      <a:tcPr marL="6350" marR="6350" marT="6350" marB="0" anchor="ctr">
+                        <a:blipFill rotWithShape="0">
+                          <a:blip r:embed="rId2"/>
+                          <a:stretch>
+                            <a:fillRect l="-239014" t="-50435" r="-411" b="-86087"/>
+                          </a:stretch>
+                        </a:blipFill>
+                      </a:tcPr>
+                    </a:tc>
+                  </a:tr>
+                  <a:tr h="347237">
+                    <a:tc>
+                      <a:txBody>
+                        <a:bodyPr/>
+                        <a:lstStyle/>
+                        <a:p>
+                          <a:pPr algn="ctr" fontAlgn="ctr"/>
+                          <a:r>
+                            <a:rPr lang="en-US" sz="1400" u="none" strike="noStrike">
+                              <a:solidFill>
+                                <a:schemeClr val="tx1"/>
+                              </a:solidFill>
+                              <a:effectLst/>
+                              <a:latin typeface="Consolas" charset="0"/>
+                              <a:ea typeface="Consolas" charset="0"/>
+                              <a:cs typeface="Consolas" charset="0"/>
+                            </a:rPr>
+                            <a:t>Final Submission</a:t>
+                          </a:r>
+                          <a:endParaRPr lang="en-US" sz="1400" b="0" i="0" u="none" strike="noStrike">
+                            <a:solidFill>
+                              <a:schemeClr val="tx1"/>
+                            </a:solidFill>
+                            <a:effectLst/>
+                            <a:latin typeface="Consolas" charset="0"/>
+                            <a:ea typeface="Consolas" charset="0"/>
+                            <a:cs typeface="Consolas" charset="0"/>
+                          </a:endParaRPr>
+                        </a:p>
+                      </a:txBody>
+                      <a:tcPr marL="6350" marR="6350" marT="6350" marB="0" anchor="ctr">
+                        <a:noFill/>
+                      </a:tcPr>
+                    </a:tc>
+                    <a:tc vMerge="1">
+                      <a:txBody>
+                        <a:bodyPr/>
+                        <a:lstStyle/>
+                        <a:p>
+                          <a:endParaRPr/>
+                        </a:p>
+                      </a:txBody>
+                      <a:tcPr/>
+                    </a:tc>
+                    <a:tc>
+                      <a:txBody>
+                        <a:bodyPr/>
+                        <a:lstStyle/>
+                        <a:p>
+                          <a:pPr algn="ctr" fontAlgn="ctr"/>
+                          <a:r>
+                            <a:rPr lang="hr-HR" sz="1600" u="none" strike="noStrike" dirty="0">
+                              <a:solidFill>
+                                <a:schemeClr val="tx1"/>
+                              </a:solidFill>
+                              <a:effectLst/>
+                              <a:latin typeface="Consolas" charset="0"/>
+                              <a:ea typeface="Consolas" charset="0"/>
+                              <a:cs typeface="Consolas" charset="0"/>
+                            </a:rPr>
+                            <a:t>32.2</a:t>
+                          </a:r>
+                          <a:endParaRPr lang="hr-HR" sz="1600" b="0" i="0" u="none" strike="noStrike" dirty="0">
+                            <a:solidFill>
+                              <a:schemeClr val="tx1"/>
+                            </a:solidFill>
+                            <a:effectLst/>
+                            <a:latin typeface="Consolas" charset="0"/>
+                            <a:ea typeface="Consolas" charset="0"/>
+                            <a:cs typeface="Consolas" charset="0"/>
+                          </a:endParaRPr>
+                        </a:p>
+                      </a:txBody>
+                      <a:tcPr marL="6350" marR="6350" marT="6350" marB="0" anchor="ctr">
+                        <a:noFill/>
+                      </a:tcPr>
+                    </a:tc>
+                    <a:tc>
+                      <a:txBody>
+                        <a:bodyPr/>
+                        <a:lstStyle/>
+                        <a:p>
+                          <a:pPr algn="ctr" fontAlgn="ctr"/>
+                          <a:r>
+                            <a:rPr lang="nb-NO" sz="1600" u="none" strike="noStrike" dirty="0">
+                              <a:solidFill>
+                                <a:schemeClr val="tx1"/>
+                              </a:solidFill>
+                              <a:effectLst/>
+                              <a:latin typeface="Consolas" charset="0"/>
+                              <a:ea typeface="Consolas" charset="0"/>
+                              <a:cs typeface="Consolas" charset="0"/>
+                            </a:rPr>
+                            <a:t>5.9</a:t>
+                          </a:r>
+                          <a:endParaRPr lang="nb-NO" sz="1600" b="0" i="0" u="none" strike="noStrike" dirty="0">
+                            <a:solidFill>
+                              <a:schemeClr val="tx1"/>
+                            </a:solidFill>
+                            <a:effectLst/>
+                            <a:latin typeface="Consolas" charset="0"/>
+                            <a:ea typeface="Consolas" charset="0"/>
+                            <a:cs typeface="Consolas" charset="0"/>
+                          </a:endParaRPr>
+                        </a:p>
+                      </a:txBody>
+                      <a:tcPr marL="6350" marR="6350" marT="6350" marB="0" anchor="ctr">
+                        <a:noFill/>
+                      </a:tcPr>
+                    </a:tc>
+                    <a:tc>
+                      <a:txBody>
+                        <a:bodyPr/>
+                        <a:lstStyle/>
+                        <a:p>
+                          <a:pPr algn="ctr" fontAlgn="ctr"/>
+                          <a:r>
+                            <a:rPr lang="en-US" sz="1600" b="0" i="0" u="none" strike="noStrike" dirty="0" smtClean="0">
+                              <a:solidFill>
+                                <a:schemeClr val="tx1"/>
+                              </a:solidFill>
+                              <a:effectLst/>
+                              <a:latin typeface="Consolas" charset="0"/>
+                              <a:ea typeface="Consolas" charset="0"/>
+                              <a:cs typeface="Consolas" charset="0"/>
+                            </a:rPr>
+                            <a:t>145</a:t>
+                          </a:r>
+                          <a:endParaRPr lang="en-US" sz="1600" b="0" i="0" u="none" strike="noStrike" dirty="0">
+                            <a:solidFill>
+                              <a:schemeClr val="tx1"/>
+                            </a:solidFill>
+                            <a:effectLst/>
+                            <a:latin typeface="Consolas" charset="0"/>
+                            <a:ea typeface="Consolas" charset="0"/>
+                            <a:cs typeface="Consolas" charset="0"/>
+                          </a:endParaRPr>
+                        </a:p>
+                      </a:txBody>
+                      <a:tcPr marL="6350" marR="6350" marT="6350" marB="0" anchor="ctr">
+                        <a:noFill/>
+                      </a:tcPr>
+                    </a:tc>
+                    <a:tc vMerge="1">
+                      <a:txBody>
+                        <a:bodyPr/>
+                        <a:lstStyle/>
+                        <a:p>
+                          <a:endParaRPr/>
+                        </a:p>
+                      </a:txBody>
+                      <a:tcPr/>
+                    </a:tc>
+                  </a:tr>
+                </a:tbl>
+              </a:graphicData>
+            </a:graphic>
+          </p:graphicFrame>
+        </mc:Fallback>
+      </mc:AlternateContent>
+    </p:spTree>
+    <p:extLst>
+      <p:ext uri="{BB962C8B-B14F-4D97-AF65-F5344CB8AC3E}">
+        <p14:creationId xmlns:p14="http://schemas.microsoft.com/office/powerpoint/2010/main" val="1857378114"/>
+      </p:ext>
+    </p:extLst>
+  </p:cSld>
+  <p:clrMapOvr>
+    <a:masterClrMapping/>
+  </p:clrMapOvr>
+  <p:timing>
+    <p:tnLst>
+      <p:par>
+        <p:cTn id="1" dur="indefinite" restart="never" nodeType="tmRoot"/>
+      </p:par>
+    </p:tnLst>
+  </p:timing>
+</p:sld>
+</file>
+
 <file path=ppt/slides/slide3.xml><?xml version="1.0" encoding="utf-8"?>
 <p:sld xmlns:a="http://schemas.openxmlformats.org/drawingml/2006/main" xmlns:r="http://schemas.openxmlformats.org/officeDocument/2006/relationships" xmlns:p="http://schemas.openxmlformats.org/presentationml/2006/main">
   <p:cSld>
@@ -38987,15 +40391,7 @@
           <a:p>
             <a:r>
               <a:rPr lang="en-US" dirty="0" smtClean="0"/>
-              <a:t>Memory-efficient</a:t>
-            </a:r>
-            <a:r>
-              <a:rPr lang="en-US" smtClean="0"/>
-              <a:t>, passive </a:t>
-            </a:r>
-            <a:r>
-              <a:rPr lang="en-US" dirty="0" smtClean="0"/>
-              <a:t>acceleration by CPU cache</a:t>
+              <a:t>Memory-efficient, passive acceleration by CPU cache</a:t>
             </a:r>
           </a:p>
           <a:p>
@@ -39047,10 +40443,38 @@
             <a:pPr lvl="1"/>
             <a:r>
               <a:rPr lang="en-US" dirty="0" smtClean="0"/>
-              <a:t>Only integer, byte, and </a:t>
-            </a:r>
-            <a:r>
-              <a:rPr lang="en-US" dirty="0" err="1" smtClean="0"/>
+              <a:t>Only </a:t>
+            </a:r>
+            <a:r>
+              <a:rPr lang="en-US" dirty="0" smtClean="0">
+                <a:latin typeface="Consolas" charset="0"/>
+                <a:ea typeface="Consolas" charset="0"/>
+                <a:cs typeface="Consolas" charset="0"/>
+              </a:rPr>
+              <a:t>integer</a:t>
+            </a:r>
+            <a:r>
+              <a:rPr lang="en-US" dirty="0" smtClean="0"/>
+              <a:t>, </a:t>
+            </a:r>
+            <a:r>
+              <a:rPr lang="en-US" dirty="0" smtClean="0">
+                <a:latin typeface="Consolas" charset="0"/>
+                <a:ea typeface="Consolas" charset="0"/>
+                <a:cs typeface="Consolas" charset="0"/>
+              </a:rPr>
+              <a:t>byte</a:t>
+            </a:r>
+            <a:r>
+              <a:rPr lang="en-US" dirty="0" smtClean="0"/>
+              <a:t>, and </a:t>
+            </a:r>
+            <a:r>
+              <a:rPr lang="en-US" dirty="0" err="1" smtClean="0">
+                <a:latin typeface="Consolas" charset="0"/>
+                <a:ea typeface="Consolas" charset="0"/>
+                <a:cs typeface="Consolas" charset="0"/>
+              </a:rPr>
               <a:t>boolean</a:t>
             </a:r>
             <a:r>
@@ -39940,14 +41364,10 @@
             </a:pPr>
             <a:r>
               <a:rPr lang="en-US" dirty="0" smtClean="0"/>
-              <a:t>Solution C</a:t>
-            </a:r>
-            <a:r>
-              <a:rPr lang="en-US" sz="1800" dirty="0" smtClean="0"/>
-              <a:t>	</a:t>
-            </a:r>
-            <a:r>
-              <a:rPr lang="en-US" sz="1800" dirty="0" smtClean="0">
+              <a:t>Solution C	</a:t>
+            </a:r>
+            <a:r>
+              <a:rPr lang="en-US" sz="1800" dirty="0">
                 <a:solidFill>
                   <a:schemeClr val="accent4">
                     <a:lumMod val="60000"/>
@@ -39958,7 +41378,7 @@
               <a:t>Pre-Initial </a:t>
             </a:r>
             <a:r>
-              <a:rPr lang="en-US" sz="1800" dirty="0">
+              <a:rPr lang="en-US" sz="1800" dirty="0" smtClean="0">
                 <a:solidFill>
                   <a:schemeClr val="accent4">
                     <a:lumMod val="60000"/>
@@ -40001,30 +41421,28 @@
       </p:sp>
       <p:sp>
         <p:nvSpPr>
-          <p:cNvPr id="4" name="Text Placeholder 3"/>
-          <p:cNvSpPr>
-            <a:spLocks noGrp="1"/>
-          </p:cNvSpPr>
-          <p:nvPr>
-            <p:ph idx="1"/>
-          </p:nvPr>
+          <p:cNvPr id="8" name="Rectangle 7"/>
+          <p:cNvSpPr/>
+          <p:nvPr/>
         </p:nvSpPr>
-        <p:spPr/>
+        <p:spPr>
+          <a:xfrm>
+            <a:off x="494563" y="2167632"/>
+            <a:ext cx="2337499" cy="369332"/>
+          </a:xfrm>
+          <a:prstGeom prst="rect">
+            <a:avLst/>
+          </a:prstGeom>
+        </p:spPr>
         <p:txBody>
-          <a:bodyPr>
-            <a:normAutofit/>
+          <a:bodyPr wrap="none">
+            <a:spAutoFit/>
           </a:bodyPr>
           <a:lstStyle/>
           <a:p>
-            <a:pPr marL="457200" indent="-457200">
-              <a:buFont typeface="+mj-lt"/>
-              <a:buAutoNum type="arabicPeriod"/>
-              <a:tabLst>
-                <a:tab pos="1943100" algn="l"/>
-              </a:tabLst>
-            </a:pPr>
-            <a:r>
-              <a:rPr lang="en-US" sz="2000" dirty="0">
+            <a:pPr algn="r" fontAlgn="base"/>
+            <a:r>
+              <a:rPr lang="en-US" dirty="0" err="1">
                 <a:solidFill>
                   <a:srgbClr val="4EC9B0"/>
                 </a:solidFill>
@@ -40032,154 +41450,12 @@
                 <a:ea typeface="Consolas" charset="0"/>
                 <a:cs typeface="Consolas" charset="0"/>
               </a:rPr>
-              <a:t>char</a:t>
-            </a:r>
-            <a:r>
-              <a:rPr lang="en-US" sz="2000" dirty="0">
-                <a:solidFill>
-                  <a:srgbClr val="D4D4D4"/>
-                </a:solidFill>
-                <a:latin typeface="Consolas" charset="0"/>
-                <a:ea typeface="Consolas" charset="0"/>
-                <a:cs typeface="Consolas" charset="0"/>
-              </a:rPr>
-              <a:t> </a:t>
-            </a:r>
-            <a:r>
-              <a:rPr lang="en-US" sz="2000" dirty="0">
-                <a:solidFill>
-                  <a:srgbClr val="9CDCFE"/>
-                </a:solidFill>
-                <a:latin typeface="Consolas" charset="0"/>
-                <a:ea typeface="Consolas" charset="0"/>
-                <a:cs typeface="Consolas" charset="0"/>
-              </a:rPr>
-              <a:t>c</a:t>
-            </a:r>
-            <a:r>
-              <a:rPr lang="en-US" sz="2000" dirty="0">
-                <a:solidFill>
-                  <a:srgbClr val="D4D4D4"/>
-                </a:solidFill>
-                <a:latin typeface="Consolas" charset="0"/>
-                <a:ea typeface="Consolas" charset="0"/>
-                <a:cs typeface="Consolas" charset="0"/>
-              </a:rPr>
-              <a:t>[];</a:t>
-            </a:r>
-          </a:p>
-          <a:p>
-            <a:pPr marL="457200" indent="-457200">
-              <a:buFont typeface="+mj-lt"/>
-              <a:buAutoNum type="arabicPeriod"/>
-              <a:tabLst>
-                <a:tab pos="1943100" algn="l"/>
-              </a:tabLst>
-            </a:pPr>
-            <a:r>
-              <a:rPr lang="en-US" sz="2000" dirty="0" err="1">
-                <a:solidFill>
-                  <a:srgbClr val="4EC9B0"/>
-                </a:solidFill>
-                <a:latin typeface="Consolas" charset="0"/>
-                <a:ea typeface="Consolas" charset="0"/>
-                <a:cs typeface="Consolas" charset="0"/>
-              </a:rPr>
-              <a:t>boolean</a:t>
-            </a:r>
-            <a:r>
-              <a:rPr lang="en-US" sz="2000" dirty="0">
-                <a:solidFill>
-                  <a:srgbClr val="D4D4D4"/>
-                </a:solidFill>
-                <a:latin typeface="Consolas" charset="0"/>
-                <a:ea typeface="Consolas" charset="0"/>
-                <a:cs typeface="Consolas" charset="0"/>
-              </a:rPr>
-              <a:t> </a:t>
-            </a:r>
-            <a:r>
-              <a:rPr lang="en-US" sz="2000" dirty="0">
-                <a:solidFill>
-                  <a:srgbClr val="9CDCFE"/>
-                </a:solidFill>
-                <a:latin typeface="Consolas" charset="0"/>
-                <a:ea typeface="Consolas" charset="0"/>
-                <a:cs typeface="Consolas" charset="0"/>
-              </a:rPr>
-              <a:t>b</a:t>
-            </a:r>
-            <a:r>
-              <a:rPr lang="en-US" sz="2000" dirty="0">
-                <a:solidFill>
-                  <a:srgbClr val="D4D4D4"/>
-                </a:solidFill>
-                <a:latin typeface="Consolas" charset="0"/>
-                <a:ea typeface="Consolas" charset="0"/>
-                <a:cs typeface="Consolas" charset="0"/>
-              </a:rPr>
-              <a:t>[];</a:t>
-            </a:r>
-          </a:p>
-          <a:p>
-            <a:pPr marL="457200" indent="-457200">
-              <a:buFont typeface="+mj-lt"/>
-              <a:buAutoNum type="arabicPeriod"/>
-              <a:tabLst>
-                <a:tab pos="1943100" algn="l"/>
-              </a:tabLst>
-            </a:pPr>
-            <a:r>
-              <a:rPr lang="en-US" sz="2000" dirty="0" err="1">
-                <a:solidFill>
-                  <a:srgbClr val="4EC9B0"/>
-                </a:solidFill>
-                <a:latin typeface="Consolas" charset="0"/>
-                <a:ea typeface="Consolas" charset="0"/>
-                <a:cs typeface="Consolas" charset="0"/>
-              </a:rPr>
-              <a:t>int</a:t>
-            </a:r>
-            <a:r>
-              <a:rPr lang="en-US" sz="2000" dirty="0">
-                <a:solidFill>
-                  <a:srgbClr val="D4D4D4"/>
-                </a:solidFill>
-                <a:latin typeface="Consolas" charset="0"/>
-                <a:ea typeface="Consolas" charset="0"/>
-                <a:cs typeface="Consolas" charset="0"/>
-              </a:rPr>
-              <a:t>[][] </a:t>
-            </a:r>
-            <a:r>
-              <a:rPr lang="en-US" sz="2000" dirty="0">
-                <a:solidFill>
-                  <a:srgbClr val="9CDCFE"/>
-                </a:solidFill>
-                <a:latin typeface="Consolas" charset="0"/>
-                <a:ea typeface="Consolas" charset="0"/>
-                <a:cs typeface="Consolas" charset="0"/>
-              </a:rPr>
-              <a:t>child</a:t>
-            </a:r>
-            <a:r>
-              <a:rPr lang="en-US" sz="2000" dirty="0">
-                <a:solidFill>
-                  <a:srgbClr val="D4D4D4"/>
-                </a:solidFill>
-                <a:latin typeface="Consolas" charset="0"/>
-                <a:ea typeface="Consolas" charset="0"/>
-                <a:cs typeface="Consolas" charset="0"/>
-              </a:rPr>
-              <a:t>;</a:t>
-            </a:r>
-          </a:p>
-          <a:p>
-            <a:pPr marL="457200" indent="-457200">
-              <a:buFont typeface="+mj-lt"/>
-              <a:buAutoNum type="arabicPeriod"/>
-            </a:pPr>
-            <a:endParaRPr sz="2000" dirty="0">
+              <a:t>java.lang.Integer</a:t>
+            </a:r>
+            <a:endParaRPr lang="en-US" dirty="0">
+              <a:solidFill>
+                <a:srgbClr val="4EC9B0"/>
+              </a:solidFill>
               <a:latin typeface="Consolas" charset="0"/>
               <a:ea typeface="Consolas" charset="0"/>
               <a:cs typeface="Consolas" charset="0"/>
@@ -40187,10 +41463,290 @@
           </a:p>
         </p:txBody>
       </p:sp>
+      <p:pic>
+        <p:nvPicPr>
+          <p:cNvPr id="9" name="Picture 8"/>
+          <p:cNvPicPr>
+            <a:picLocks noChangeAspect="1"/>
+          </p:cNvPicPr>
+          <p:nvPr/>
+        </p:nvPicPr>
+        <p:blipFill>
+          <a:blip r:embed="rId2"/>
+          <a:stretch>
+            <a:fillRect/>
+          </a:stretch>
+        </p:blipFill>
+        <p:spPr>
+          <a:xfrm>
+            <a:off x="2832062" y="3122930"/>
+            <a:ext cx="7124700" cy="1066800"/>
+          </a:xfrm>
+          <a:prstGeom prst="rect">
+            <a:avLst/>
+          </a:prstGeom>
+          <a:solidFill>
+            <a:schemeClr val="tx1"/>
+          </a:solidFill>
+        </p:spPr>
+      </p:pic>
+      <p:sp>
+        <p:nvSpPr>
+          <p:cNvPr id="10" name="Rectangle 9"/>
+          <p:cNvSpPr/>
+          <p:nvPr/>
+        </p:nvSpPr>
+        <p:spPr>
+          <a:xfrm>
+            <a:off x="494564" y="3471664"/>
+            <a:ext cx="2337498" cy="369332"/>
+          </a:xfrm>
+          <a:prstGeom prst="rect">
+            <a:avLst/>
+          </a:prstGeom>
+        </p:spPr>
+        <p:txBody>
+          <a:bodyPr wrap="square">
+            <a:spAutoFit/>
+          </a:bodyPr>
+          <a:lstStyle/>
+          <a:p>
+            <a:pPr algn="r" fontAlgn="base"/>
+            <a:r>
+              <a:rPr lang="en-US" dirty="0" err="1">
+                <a:solidFill>
+                  <a:srgbClr val="4EC9B0"/>
+                </a:solidFill>
+                <a:latin typeface="Consolas" charset="0"/>
+                <a:ea typeface="Consolas" charset="0"/>
+                <a:cs typeface="Consolas" charset="0"/>
+              </a:rPr>
+              <a:t>int</a:t>
+            </a:r>
+            <a:r>
+              <a:rPr lang="en-US" dirty="0" smtClean="0">
+                <a:latin typeface="Consolas" charset="0"/>
+                <a:ea typeface="Consolas" charset="0"/>
+                <a:cs typeface="Consolas" charset="0"/>
+              </a:rPr>
+              <a:t>[]</a:t>
+            </a:r>
+            <a:endParaRPr lang="en-US" b="0" i="0" dirty="0">
+              <a:effectLst/>
+              <a:latin typeface="Consolas" charset="0"/>
+              <a:ea typeface="Consolas" charset="0"/>
+              <a:cs typeface="Consolas" charset="0"/>
+            </a:endParaRPr>
+          </a:p>
+        </p:txBody>
+      </p:sp>
+      <p:pic>
+        <p:nvPicPr>
+          <p:cNvPr id="11" name="Picture 10"/>
+          <p:cNvPicPr>
+            <a:picLocks noChangeAspect="1"/>
+          </p:cNvPicPr>
+          <p:nvPr/>
+        </p:nvPicPr>
+        <p:blipFill>
+          <a:blip r:embed="rId3"/>
+          <a:stretch>
+            <a:fillRect/>
+          </a:stretch>
+        </p:blipFill>
+        <p:spPr>
+          <a:xfrm>
+            <a:off x="2832062" y="4426962"/>
+            <a:ext cx="7124700" cy="1701800"/>
+          </a:xfrm>
+          <a:prstGeom prst="rect">
+            <a:avLst/>
+          </a:prstGeom>
+          <a:solidFill>
+            <a:schemeClr val="tx1"/>
+          </a:solidFill>
+        </p:spPr>
+      </p:pic>
+      <p:sp>
+        <p:nvSpPr>
+          <p:cNvPr id="12" name="Rectangle 11"/>
+          <p:cNvSpPr/>
+          <p:nvPr/>
+        </p:nvSpPr>
+        <p:spPr>
+          <a:xfrm>
+            <a:off x="621200" y="5093196"/>
+            <a:ext cx="2210862" cy="369332"/>
+          </a:xfrm>
+          <a:prstGeom prst="rect">
+            <a:avLst/>
+          </a:prstGeom>
+        </p:spPr>
+        <p:txBody>
+          <a:bodyPr wrap="none">
+            <a:spAutoFit/>
+          </a:bodyPr>
+          <a:lstStyle/>
+          <a:p>
+            <a:pPr fontAlgn="base"/>
+            <a:r>
+              <a:rPr lang="en-US" dirty="0" err="1">
+                <a:solidFill>
+                  <a:srgbClr val="4EC9B0"/>
+                </a:solidFill>
+                <a:latin typeface="Consolas" charset="0"/>
+                <a:ea typeface="Consolas" charset="0"/>
+                <a:cs typeface="Consolas" charset="0"/>
+              </a:rPr>
+              <a:t>java.lang.String</a:t>
+            </a:r>
+            <a:endParaRPr lang="en-US" dirty="0">
+              <a:solidFill>
+                <a:srgbClr val="4EC9B0"/>
+              </a:solidFill>
+              <a:latin typeface="Consolas" charset="0"/>
+              <a:ea typeface="Consolas" charset="0"/>
+              <a:cs typeface="Consolas" charset="0"/>
+            </a:endParaRPr>
+          </a:p>
+        </p:txBody>
+      </p:sp>
+      <p:sp>
+        <p:nvSpPr>
+          <p:cNvPr id="13" name="Rectangle 12"/>
+          <p:cNvSpPr/>
+          <p:nvPr/>
+        </p:nvSpPr>
+        <p:spPr>
+          <a:xfrm>
+            <a:off x="494563" y="6425664"/>
+            <a:ext cx="9462199" cy="369332"/>
+          </a:xfrm>
+          <a:prstGeom prst="rect">
+            <a:avLst/>
+          </a:prstGeom>
+        </p:spPr>
+        <p:txBody>
+          <a:bodyPr wrap="square">
+            <a:spAutoFit/>
+          </a:bodyPr>
+          <a:lstStyle/>
+          <a:p>
+            <a:r>
+              <a:rPr lang="en-US" dirty="0" smtClean="0"/>
+              <a:t>Credit: </a:t>
+            </a:r>
+            <a:r>
+              <a:rPr lang="en-US" dirty="0" smtClean="0">
+                <a:latin typeface="Consolas" charset="0"/>
+                <a:ea typeface="Consolas" charset="0"/>
+                <a:cs typeface="Consolas" charset="0"/>
+              </a:rPr>
+              <a:t>https</a:t>
+            </a:r>
+            <a:r>
+              <a:rPr lang="en-US" dirty="0">
+                <a:latin typeface="Consolas" charset="0"/>
+                <a:ea typeface="Consolas" charset="0"/>
+                <a:cs typeface="Consolas" charset="0"/>
+              </a:rPr>
+              <a:t>://</a:t>
+            </a:r>
+            <a:r>
+              <a:rPr lang="en-US" dirty="0" err="1">
+                <a:latin typeface="Consolas" charset="0"/>
+                <a:ea typeface="Consolas" charset="0"/>
+                <a:cs typeface="Consolas" charset="0"/>
+              </a:rPr>
+              <a:t>www.ibm.com</a:t>
+            </a:r>
+            <a:r>
+              <a:rPr lang="en-US" dirty="0">
+                <a:latin typeface="Consolas" charset="0"/>
+                <a:ea typeface="Consolas" charset="0"/>
+                <a:cs typeface="Consolas" charset="0"/>
+              </a:rPr>
+              <a:t>/</a:t>
+            </a:r>
+            <a:r>
+              <a:rPr lang="en-US" dirty="0" err="1">
+                <a:latin typeface="Consolas" charset="0"/>
+                <a:ea typeface="Consolas" charset="0"/>
+                <a:cs typeface="Consolas" charset="0"/>
+              </a:rPr>
+              <a:t>developerworks</a:t>
+            </a:r>
+            <a:r>
+              <a:rPr lang="en-US" dirty="0">
+                <a:latin typeface="Consolas" charset="0"/>
+                <a:ea typeface="Consolas" charset="0"/>
+                <a:cs typeface="Consolas" charset="0"/>
+              </a:rPr>
+              <a:t>/library/j-</a:t>
+            </a:r>
+            <a:r>
+              <a:rPr lang="en-US" dirty="0" err="1">
+                <a:latin typeface="Consolas" charset="0"/>
+                <a:ea typeface="Consolas" charset="0"/>
+                <a:cs typeface="Consolas" charset="0"/>
+              </a:rPr>
+              <a:t>codetoheap</a:t>
+            </a:r>
+            <a:r>
+              <a:rPr lang="en-US" dirty="0">
+                <a:latin typeface="Consolas" charset="0"/>
+                <a:ea typeface="Consolas" charset="0"/>
+                <a:cs typeface="Consolas" charset="0"/>
+              </a:rPr>
+              <a:t>/</a:t>
+            </a:r>
+            <a:r>
+              <a:rPr lang="en-US" dirty="0" err="1">
+                <a:latin typeface="Consolas" charset="0"/>
+                <a:ea typeface="Consolas" charset="0"/>
+                <a:cs typeface="Consolas" charset="0"/>
+              </a:rPr>
+              <a:t>index.html</a:t>
+            </a:r>
+            <a:endParaRPr dirty="0">
+              <a:latin typeface="Consolas" charset="0"/>
+              <a:ea typeface="Consolas" charset="0"/>
+              <a:cs typeface="Consolas" charset="0"/>
+            </a:endParaRPr>
+          </a:p>
+        </p:txBody>
+      </p:sp>
+      <p:pic>
+        <p:nvPicPr>
+          <p:cNvPr id="15" name="Picture 14"/>
+          <p:cNvPicPr>
+            <a:picLocks noChangeAspect="1"/>
+          </p:cNvPicPr>
+          <p:nvPr/>
+        </p:nvPicPr>
+        <p:blipFill>
+          <a:blip r:embed="rId4"/>
+          <a:stretch>
+            <a:fillRect/>
+          </a:stretch>
+        </p:blipFill>
+        <p:spPr>
+          <a:xfrm>
+            <a:off x="2832062" y="1820324"/>
+            <a:ext cx="7124700" cy="1066800"/>
+          </a:xfrm>
+          <a:prstGeom prst="rect">
+            <a:avLst/>
+          </a:prstGeom>
+          <a:solidFill>
+            <a:schemeClr val="tx1"/>
+          </a:solidFill>
+        </p:spPr>
+      </p:pic>
     </p:spTree>
     <p:extLst>
       <p:ext uri="{BB962C8B-B14F-4D97-AF65-F5344CB8AC3E}">
-        <p14:creationId xmlns:p14="http://schemas.microsoft.com/office/powerpoint/2010/main" val="995776857"/>
+        <p14:creationId xmlns:p14="http://schemas.microsoft.com/office/powerpoint/2010/main" val="755651672"/>
       </p:ext>
     </p:extLst>
   </p:cSld>
@@ -40251,10 +41807,14 @@
             </a:pPr>
             <a:r>
               <a:rPr lang="en-US" dirty="0" smtClean="0"/>
-              <a:t>Solution C	</a:t>
-            </a:r>
-            <a:r>
-              <a:rPr lang="en-US" sz="1800" dirty="0">
+              <a:t>Solution C</a:t>
+            </a:r>
+            <a:r>
+              <a:rPr lang="en-US" sz="1800" dirty="0" smtClean="0"/>
+              <a:t>	</a:t>
+            </a:r>
+            <a:r>
+              <a:rPr lang="en-US" sz="1800" dirty="0" smtClean="0">
                 <a:solidFill>
                   <a:schemeClr val="accent4">
                     <a:lumMod val="60000"/>
@@ -40265,7 +41825,7 @@
               <a:t>Pre-Initial </a:t>
             </a:r>
             <a:r>
-              <a:rPr lang="en-US" sz="1800" dirty="0" smtClean="0">
+              <a:rPr lang="en-US" sz="1800" dirty="0">
                 <a:solidFill>
                   <a:schemeClr val="accent4">
                     <a:lumMod val="60000"/>
@@ -40308,36 +41868,185 @@
       </p:sp>
       <p:sp>
         <p:nvSpPr>
-          <p:cNvPr id="8" name="Rectangle 7"/>
-          <p:cNvSpPr/>
-          <p:nvPr/>
+          <p:cNvPr id="4" name="Text Placeholder 3"/>
+          <p:cNvSpPr>
+            <a:spLocks noGrp="1"/>
+          </p:cNvSpPr>
+          <p:nvPr>
+            <p:ph idx="1"/>
+          </p:nvPr>
         </p:nvSpPr>
-        <p:spPr>
-          <a:xfrm>
-            <a:off x="494563" y="2167632"/>
-            <a:ext cx="2337499" cy="369332"/>
-          </a:xfrm>
-          <a:prstGeom prst="rect">
-            <a:avLst/>
-          </a:prstGeom>
-        </p:spPr>
+        <p:spPr/>
         <p:txBody>
-          <a:bodyPr wrap="none">
-            <a:spAutoFit/>
+          <a:bodyPr>
+            <a:normAutofit/>
           </a:bodyPr>
           <a:lstStyle/>
           <a:p>
-            <a:pPr algn="r" fontAlgn="base"/>
-            <a:r>
-              <a:rPr lang="en-US" dirty="0" err="1">
-                <a:latin typeface="Consolas" charset="0"/>
-                <a:ea typeface="Consolas" charset="0"/>
-                <a:cs typeface="Consolas" charset="0"/>
-              </a:rPr>
-              <a:t>java.lang.Integer</a:t>
-            </a:r>
-            <a:endParaRPr lang="en-US" b="0" i="0" dirty="0">
-              <a:effectLst/>
+            <a:pPr marL="457200" indent="-457200">
+              <a:buFont typeface="+mj-lt"/>
+              <a:buAutoNum type="arabicPeriod"/>
+              <a:tabLst>
+                <a:tab pos="1943100" algn="l"/>
+              </a:tabLst>
+            </a:pPr>
+            <a:r>
+              <a:rPr lang="en-US" sz="2000" dirty="0">
+                <a:solidFill>
+                  <a:srgbClr val="4EC9B0"/>
+                </a:solidFill>
+                <a:latin typeface="Consolas" charset="0"/>
+                <a:ea typeface="Consolas" charset="0"/>
+                <a:cs typeface="Consolas" charset="0"/>
+              </a:rPr>
+              <a:t>char</a:t>
+            </a:r>
+            <a:r>
+              <a:rPr lang="en-US" sz="2000" dirty="0">
+                <a:solidFill>
+                  <a:srgbClr val="D4D4D4"/>
+                </a:solidFill>
+                <a:latin typeface="Consolas" charset="0"/>
+                <a:ea typeface="Consolas" charset="0"/>
+                <a:cs typeface="Consolas" charset="0"/>
+              </a:rPr>
+              <a:t> </a:t>
+            </a:r>
+            <a:r>
+              <a:rPr lang="en-US" sz="2000" dirty="0">
+                <a:solidFill>
+                  <a:srgbClr val="9CDCFE"/>
+                </a:solidFill>
+                <a:latin typeface="Consolas" charset="0"/>
+                <a:ea typeface="Consolas" charset="0"/>
+                <a:cs typeface="Consolas" charset="0"/>
+              </a:rPr>
+              <a:t>c</a:t>
+            </a:r>
+            <a:r>
+              <a:rPr lang="en-US" sz="2000" dirty="0">
+                <a:solidFill>
+                  <a:srgbClr val="D4D4D4"/>
+                </a:solidFill>
+                <a:latin typeface="Consolas" charset="0"/>
+                <a:ea typeface="Consolas" charset="0"/>
+                <a:cs typeface="Consolas" charset="0"/>
+              </a:rPr>
+              <a:t>[];</a:t>
+            </a:r>
+          </a:p>
+          <a:p>
+            <a:pPr marL="457200" indent="-457200">
+              <a:buFont typeface="+mj-lt"/>
+              <a:buAutoNum type="arabicPeriod"/>
+              <a:tabLst>
+                <a:tab pos="1943100" algn="l"/>
+              </a:tabLst>
+            </a:pPr>
+            <a:r>
+              <a:rPr lang="en-US" sz="2000" dirty="0" err="1">
+                <a:solidFill>
+                  <a:srgbClr val="4EC9B0"/>
+                </a:solidFill>
+                <a:latin typeface="Consolas" charset="0"/>
+                <a:ea typeface="Consolas" charset="0"/>
+                <a:cs typeface="Consolas" charset="0"/>
+              </a:rPr>
+              <a:t>boolean</a:t>
+            </a:r>
+            <a:r>
+              <a:rPr lang="en-US" sz="2000" dirty="0">
+                <a:solidFill>
+                  <a:srgbClr val="D4D4D4"/>
+                </a:solidFill>
+                <a:latin typeface="Consolas" charset="0"/>
+                <a:ea typeface="Consolas" charset="0"/>
+                <a:cs typeface="Consolas" charset="0"/>
+              </a:rPr>
+              <a:t> </a:t>
+            </a:r>
+            <a:r>
+              <a:rPr lang="en-US" sz="2000" dirty="0">
+                <a:solidFill>
+                  <a:srgbClr val="9CDCFE"/>
+                </a:solidFill>
+                <a:latin typeface="Consolas" charset="0"/>
+                <a:ea typeface="Consolas" charset="0"/>
+                <a:cs typeface="Consolas" charset="0"/>
+              </a:rPr>
+              <a:t>b</a:t>
+            </a:r>
+            <a:r>
+              <a:rPr lang="en-US" sz="2000" dirty="0">
+                <a:solidFill>
+                  <a:srgbClr val="D4D4D4"/>
+                </a:solidFill>
+                <a:latin typeface="Consolas" charset="0"/>
+                <a:ea typeface="Consolas" charset="0"/>
+                <a:cs typeface="Consolas" charset="0"/>
+              </a:rPr>
+              <a:t>[];</a:t>
+            </a:r>
+          </a:p>
+          <a:p>
+            <a:pPr marL="457200" indent="-457200">
+              <a:buFont typeface="+mj-lt"/>
+              <a:buAutoNum type="arabicPeriod"/>
+              <a:tabLst>
+                <a:tab pos="1943100" algn="l"/>
+              </a:tabLst>
+            </a:pPr>
+            <a:r>
+              <a:rPr lang="en-US" sz="2000" dirty="0" err="1">
+                <a:solidFill>
+                  <a:srgbClr val="4EC9B0"/>
+                </a:solidFill>
+                <a:latin typeface="Consolas" charset="0"/>
+                <a:ea typeface="Consolas" charset="0"/>
+                <a:cs typeface="Consolas" charset="0"/>
+              </a:rPr>
+              <a:t>int</a:t>
+            </a:r>
+            <a:r>
+              <a:rPr lang="en-US" sz="2000" dirty="0">
+                <a:solidFill>
+                  <a:srgbClr val="D4D4D4"/>
+                </a:solidFill>
+                <a:latin typeface="Consolas" charset="0"/>
+                <a:ea typeface="Consolas" charset="0"/>
+                <a:cs typeface="Consolas" charset="0"/>
+              </a:rPr>
+              <a:t>[][] </a:t>
+            </a:r>
+            <a:r>
+              <a:rPr lang="en-US" sz="2000" dirty="0">
+                <a:solidFill>
+                  <a:srgbClr val="9CDCFE"/>
+                </a:solidFill>
+                <a:latin typeface="Consolas" charset="0"/>
+                <a:ea typeface="Consolas" charset="0"/>
+                <a:cs typeface="Consolas" charset="0"/>
+              </a:rPr>
+              <a:t>child</a:t>
+            </a:r>
+            <a:r>
+              <a:rPr lang="en-US" sz="2000" dirty="0">
+                <a:solidFill>
+                  <a:srgbClr val="D4D4D4"/>
+                </a:solidFill>
+                <a:latin typeface="Consolas" charset="0"/>
+                <a:ea typeface="Consolas" charset="0"/>
+                <a:cs typeface="Consolas" charset="0"/>
+              </a:rPr>
+              <a:t>;</a:t>
+            </a:r>
+          </a:p>
+          <a:p>
+            <a:pPr marL="457200" indent="-457200">
+              <a:buFont typeface="+mj-lt"/>
+              <a:buAutoNum type="arabicPeriod"/>
+            </a:pPr>
+            <a:endParaRPr sz="2000" dirty="0">
               <a:latin typeface="Consolas" charset="0"/>
               <a:ea typeface="Consolas" charset="0"/>
               <a:cs typeface="Consolas" charset="0"/>
@@ -40345,282 +42054,10 @@
           </a:p>
         </p:txBody>
       </p:sp>
-      <p:pic>
-        <p:nvPicPr>
-          <p:cNvPr id="9" name="Picture 8"/>
-          <p:cNvPicPr>
-            <a:picLocks noChangeAspect="1"/>
-          </p:cNvPicPr>
-          <p:nvPr/>
-        </p:nvPicPr>
-        <p:blipFill>
-          <a:blip r:embed="rId2"/>
-          <a:stretch>
-            <a:fillRect/>
-          </a:stretch>
-        </p:blipFill>
-        <p:spPr>
-          <a:xfrm>
-            <a:off x="2832062" y="3122930"/>
-            <a:ext cx="7124700" cy="1066800"/>
-          </a:xfrm>
-          <a:prstGeom prst="rect">
-            <a:avLst/>
-          </a:prstGeom>
-          <a:solidFill>
-            <a:schemeClr val="tx1"/>
-          </a:solidFill>
-        </p:spPr>
-      </p:pic>
-      <p:sp>
-        <p:nvSpPr>
-          <p:cNvPr id="10" name="Rectangle 9"/>
-          <p:cNvSpPr/>
-          <p:nvPr/>
-        </p:nvSpPr>
-        <p:spPr>
-          <a:xfrm>
-            <a:off x="494564" y="3471664"/>
-            <a:ext cx="2337498" cy="369332"/>
-          </a:xfrm>
-          <a:prstGeom prst="rect">
-            <a:avLst/>
-          </a:prstGeom>
-        </p:spPr>
-        <p:txBody>
-          <a:bodyPr wrap="square">
-            <a:spAutoFit/>
-          </a:bodyPr>
-          <a:lstStyle/>
-          <a:p>
-            <a:pPr algn="r" fontAlgn="base"/>
-            <a:r>
-              <a:rPr lang="en-US" dirty="0" err="1" smtClean="0">
-                <a:latin typeface="Consolas" charset="0"/>
-                <a:ea typeface="Consolas" charset="0"/>
-                <a:cs typeface="Consolas" charset="0"/>
-              </a:rPr>
-              <a:t>int</a:t>
-            </a:r>
-            <a:r>
-              <a:rPr lang="en-US" dirty="0" smtClean="0">
-                <a:latin typeface="Consolas" charset="0"/>
-                <a:ea typeface="Consolas" charset="0"/>
-                <a:cs typeface="Consolas" charset="0"/>
-              </a:rPr>
-              <a:t>[]</a:t>
-            </a:r>
-            <a:endParaRPr lang="en-US" b="0" i="0" dirty="0">
-              <a:effectLst/>
-              <a:latin typeface="Consolas" charset="0"/>
-              <a:ea typeface="Consolas" charset="0"/>
-              <a:cs typeface="Consolas" charset="0"/>
-            </a:endParaRPr>
-          </a:p>
-        </p:txBody>
-      </p:sp>
-      <p:pic>
-        <p:nvPicPr>
-          <p:cNvPr id="11" name="Picture 10"/>
-          <p:cNvPicPr>
-            <a:picLocks noChangeAspect="1"/>
-          </p:cNvPicPr>
-          <p:nvPr/>
-        </p:nvPicPr>
-        <p:blipFill>
-          <a:blip r:embed="rId3"/>
-          <a:stretch>
-            <a:fillRect/>
-          </a:stretch>
-        </p:blipFill>
-        <p:spPr>
-          <a:xfrm>
-            <a:off x="2832062" y="4426962"/>
-            <a:ext cx="7124700" cy="1701800"/>
-          </a:xfrm>
-          <a:prstGeom prst="rect">
-            <a:avLst/>
-          </a:prstGeom>
-          <a:solidFill>
-            <a:schemeClr val="tx1"/>
-          </a:solidFill>
-        </p:spPr>
-      </p:pic>
-      <p:sp>
-        <p:nvSpPr>
-          <p:cNvPr id="12" name="Rectangle 11"/>
-          <p:cNvSpPr/>
-          <p:nvPr/>
-        </p:nvSpPr>
-        <p:spPr>
-          <a:xfrm>
-            <a:off x="621200" y="5093196"/>
-            <a:ext cx="2210862" cy="369332"/>
-          </a:xfrm>
-          <a:prstGeom prst="rect">
-            <a:avLst/>
-          </a:prstGeom>
-        </p:spPr>
-        <p:txBody>
-          <a:bodyPr wrap="none">
-            <a:spAutoFit/>
-          </a:bodyPr>
-          <a:lstStyle/>
-          <a:p>
-            <a:pPr fontAlgn="base"/>
-            <a:r>
-              <a:rPr lang="en-US">
-                <a:latin typeface="Consolas" charset="0"/>
-                <a:ea typeface="Consolas" charset="0"/>
-                <a:cs typeface="Consolas" charset="0"/>
-              </a:rPr>
-              <a:t>java.lang.String</a:t>
-            </a:r>
-            <a:endParaRPr lang="en-US" b="0" i="0" dirty="0">
-              <a:effectLst/>
-              <a:latin typeface="Consolas" charset="0"/>
-              <a:ea typeface="Consolas" charset="0"/>
-              <a:cs typeface="Consolas" charset="0"/>
-            </a:endParaRPr>
-          </a:p>
-        </p:txBody>
-      </p:sp>
-      <p:sp>
-        <p:nvSpPr>
-          <p:cNvPr id="13" name="Rectangle 12"/>
-          <p:cNvSpPr/>
-          <p:nvPr/>
-        </p:nvSpPr>
-        <p:spPr>
-          <a:xfrm>
-            <a:off x="494563" y="6425664"/>
-            <a:ext cx="9462199" cy="369332"/>
-          </a:xfrm>
-          <a:prstGeom prst="rect">
-            <a:avLst/>
-          </a:prstGeom>
-        </p:spPr>
-        <p:txBody>
-          <a:bodyPr wrap="square">
-            <a:spAutoFit/>
-          </a:bodyPr>
-          <a:lstStyle/>
-          <a:p>
-            <a:r>
-              <a:rPr lang="en-US" dirty="0" smtClean="0"/>
-              <a:t>Credit: </a:t>
-            </a:r>
-            <a:r>
-              <a:rPr lang="en-US" dirty="0" smtClean="0">
-                <a:latin typeface="Consolas" charset="0"/>
-                <a:ea typeface="Consolas" charset="0"/>
-                <a:cs typeface="Consolas" charset="0"/>
-              </a:rPr>
-              <a:t>https</a:t>
-            </a:r>
-            <a:r>
-              <a:rPr lang="en-US" dirty="0">
-                <a:latin typeface="Consolas" charset="0"/>
-                <a:ea typeface="Consolas" charset="0"/>
-                <a:cs typeface="Consolas" charset="0"/>
-              </a:rPr>
-              <a:t>://</a:t>
-            </a:r>
-            <a:r>
-              <a:rPr lang="en-US" dirty="0" err="1">
-                <a:latin typeface="Consolas" charset="0"/>
-                <a:ea typeface="Consolas" charset="0"/>
-                <a:cs typeface="Consolas" charset="0"/>
-              </a:rPr>
-              <a:t>www.ibm.com</a:t>
-            </a:r>
-            <a:r>
-              <a:rPr lang="en-US" dirty="0">
-                <a:latin typeface="Consolas" charset="0"/>
-                <a:ea typeface="Consolas" charset="0"/>
-                <a:cs typeface="Consolas" charset="0"/>
-              </a:rPr>
-              <a:t>/</a:t>
-            </a:r>
-            <a:r>
-              <a:rPr lang="en-US" dirty="0" err="1">
-                <a:latin typeface="Consolas" charset="0"/>
-                <a:ea typeface="Consolas" charset="0"/>
-                <a:cs typeface="Consolas" charset="0"/>
-              </a:rPr>
-              <a:t>developerworks</a:t>
-            </a:r>
-            <a:r>
-              <a:rPr lang="en-US" dirty="0">
-                <a:latin typeface="Consolas" charset="0"/>
-                <a:ea typeface="Consolas" charset="0"/>
-                <a:cs typeface="Consolas" charset="0"/>
-              </a:rPr>
-              <a:t>/library/j-</a:t>
-            </a:r>
-            <a:r>
-              <a:rPr lang="en-US" dirty="0" err="1">
-                <a:latin typeface="Consolas" charset="0"/>
-                <a:ea typeface="Consolas" charset="0"/>
-                <a:cs typeface="Consolas" charset="0"/>
-              </a:rPr>
-              <a:t>codetoheap</a:t>
-            </a:r>
-            <a:r>
-              <a:rPr lang="en-US" dirty="0">
-                <a:latin typeface="Consolas" charset="0"/>
-                <a:ea typeface="Consolas" charset="0"/>
-                <a:cs typeface="Consolas" charset="0"/>
-              </a:rPr>
-              <a:t>/</a:t>
-            </a:r>
-            <a:r>
-              <a:rPr lang="en-US" dirty="0" err="1">
-                <a:latin typeface="Consolas" charset="0"/>
-                <a:ea typeface="Consolas" charset="0"/>
-                <a:cs typeface="Consolas" charset="0"/>
-              </a:rPr>
-              <a:t>index.html</a:t>
-            </a:r>
-            <a:endParaRPr dirty="0">
-              <a:latin typeface="Consolas" charset="0"/>
-              <a:ea typeface="Consolas" charset="0"/>
-              <a:cs typeface="Consolas" charset="0"/>
-            </a:endParaRPr>
-          </a:p>
-        </p:txBody>
-      </p:sp>
-      <p:pic>
-        <p:nvPicPr>
-          <p:cNvPr id="15" name="Picture 14"/>
-          <p:cNvPicPr>
-            <a:picLocks noChangeAspect="1"/>
-          </p:cNvPicPr>
-          <p:nvPr/>
-        </p:nvPicPr>
-        <p:blipFill>
-          <a:blip r:embed="rId4"/>
-          <a:stretch>
-            <a:fillRect/>
-          </a:stretch>
-        </p:blipFill>
-        <p:spPr>
-          <a:xfrm>
-            <a:off x="2832062" y="1820324"/>
-            <a:ext cx="7124700" cy="1066800"/>
-          </a:xfrm>
-          <a:prstGeom prst="rect">
-            <a:avLst/>
-          </a:prstGeom>
-          <a:solidFill>
-            <a:schemeClr val="tx1"/>
-          </a:solidFill>
-        </p:spPr>
-      </p:pic>
     </p:spTree>
     <p:extLst>
       <p:ext uri="{BB962C8B-B14F-4D97-AF65-F5344CB8AC3E}">
-        <p14:creationId xmlns:p14="http://schemas.microsoft.com/office/powerpoint/2010/main" val="755651672"/>
+        <p14:creationId xmlns:p14="http://schemas.microsoft.com/office/powerpoint/2010/main" val="995776857"/>
       </p:ext>
     </p:extLst>
   </p:cSld>
